--- a/figures/molecules_depictions_with_MAE_of_all_methods/molecules_with_MAE_of_all_methods.pptx
+++ b/figures/molecules_depictions_with_MAE_of_all_methods/molecules_with_MAE_of_all_methods.pptx
@@ -7,14 +7,14 @@
   <p:sldIdLst>
     <p:sldId id="256" r:id="rId2"/>
   </p:sldIdLst>
-  <p:sldSz cx="6858000" cy="9144000" type="letter"/>
+  <p:sldSz cx="6858000" cy="8321675"/>
   <p:notesSz cx="6858000" cy="9144000"/>
   <p:defaultTextStyle>
     <a:defPPr>
       <a:defRPr lang="en-US"/>
     </a:defPPr>
-    <a:lvl1pPr marL="0" algn="l" defTabSz="457200" rtl="0" eaLnBrk="1" latinLnBrk="0" hangingPunct="1">
-      <a:defRPr sz="1800" kern="1200">
+    <a:lvl1pPr marL="0" algn="l" defTabSz="433646" rtl="0" eaLnBrk="1" latinLnBrk="0" hangingPunct="1">
+      <a:defRPr sz="1700" kern="1200">
         <a:solidFill>
           <a:schemeClr val="tx1"/>
         </a:solidFill>
@@ -23,8 +23,8 @@
         <a:cs typeface="+mn-cs"/>
       </a:defRPr>
     </a:lvl1pPr>
-    <a:lvl2pPr marL="457200" algn="l" defTabSz="457200" rtl="0" eaLnBrk="1" latinLnBrk="0" hangingPunct="1">
-      <a:defRPr sz="1800" kern="1200">
+    <a:lvl2pPr marL="433646" algn="l" defTabSz="433646" rtl="0" eaLnBrk="1" latinLnBrk="0" hangingPunct="1">
+      <a:defRPr sz="1700" kern="1200">
         <a:solidFill>
           <a:schemeClr val="tx1"/>
         </a:solidFill>
@@ -33,8 +33,8 @@
         <a:cs typeface="+mn-cs"/>
       </a:defRPr>
     </a:lvl2pPr>
-    <a:lvl3pPr marL="914400" algn="l" defTabSz="457200" rtl="0" eaLnBrk="1" latinLnBrk="0" hangingPunct="1">
-      <a:defRPr sz="1800" kern="1200">
+    <a:lvl3pPr marL="867292" algn="l" defTabSz="433646" rtl="0" eaLnBrk="1" latinLnBrk="0" hangingPunct="1">
+      <a:defRPr sz="1700" kern="1200">
         <a:solidFill>
           <a:schemeClr val="tx1"/>
         </a:solidFill>
@@ -43,8 +43,8 @@
         <a:cs typeface="+mn-cs"/>
       </a:defRPr>
     </a:lvl3pPr>
-    <a:lvl4pPr marL="1371600" algn="l" defTabSz="457200" rtl="0" eaLnBrk="1" latinLnBrk="0" hangingPunct="1">
-      <a:defRPr sz="1800" kern="1200">
+    <a:lvl4pPr marL="1300939" algn="l" defTabSz="433646" rtl="0" eaLnBrk="1" latinLnBrk="0" hangingPunct="1">
+      <a:defRPr sz="1700" kern="1200">
         <a:solidFill>
           <a:schemeClr val="tx1"/>
         </a:solidFill>
@@ -53,8 +53,8 @@
         <a:cs typeface="+mn-cs"/>
       </a:defRPr>
     </a:lvl4pPr>
-    <a:lvl5pPr marL="1828800" algn="l" defTabSz="457200" rtl="0" eaLnBrk="1" latinLnBrk="0" hangingPunct="1">
-      <a:defRPr sz="1800" kern="1200">
+    <a:lvl5pPr marL="1734585" algn="l" defTabSz="433646" rtl="0" eaLnBrk="1" latinLnBrk="0" hangingPunct="1">
+      <a:defRPr sz="1700" kern="1200">
         <a:solidFill>
           <a:schemeClr val="tx1"/>
         </a:solidFill>
@@ -63,8 +63,8 @@
         <a:cs typeface="+mn-cs"/>
       </a:defRPr>
     </a:lvl5pPr>
-    <a:lvl6pPr marL="2286000" algn="l" defTabSz="457200" rtl="0" eaLnBrk="1" latinLnBrk="0" hangingPunct="1">
-      <a:defRPr sz="1800" kern="1200">
+    <a:lvl6pPr marL="2168231" algn="l" defTabSz="433646" rtl="0" eaLnBrk="1" latinLnBrk="0" hangingPunct="1">
+      <a:defRPr sz="1700" kern="1200">
         <a:solidFill>
           <a:schemeClr val="tx1"/>
         </a:solidFill>
@@ -73,8 +73,8 @@
         <a:cs typeface="+mn-cs"/>
       </a:defRPr>
     </a:lvl6pPr>
-    <a:lvl7pPr marL="2743200" algn="l" defTabSz="457200" rtl="0" eaLnBrk="1" latinLnBrk="0" hangingPunct="1">
-      <a:defRPr sz="1800" kern="1200">
+    <a:lvl7pPr marL="2601877" algn="l" defTabSz="433646" rtl="0" eaLnBrk="1" latinLnBrk="0" hangingPunct="1">
+      <a:defRPr sz="1700" kern="1200">
         <a:solidFill>
           <a:schemeClr val="tx1"/>
         </a:solidFill>
@@ -83,8 +83,8 @@
         <a:cs typeface="+mn-cs"/>
       </a:defRPr>
     </a:lvl7pPr>
-    <a:lvl8pPr marL="3200400" algn="l" defTabSz="457200" rtl="0" eaLnBrk="1" latinLnBrk="0" hangingPunct="1">
-      <a:defRPr sz="1800" kern="1200">
+    <a:lvl8pPr marL="3035524" algn="l" defTabSz="433646" rtl="0" eaLnBrk="1" latinLnBrk="0" hangingPunct="1">
+      <a:defRPr sz="1700" kern="1200">
         <a:solidFill>
           <a:schemeClr val="tx1"/>
         </a:solidFill>
@@ -93,8 +93,8 @@
         <a:cs typeface="+mn-cs"/>
       </a:defRPr>
     </a:lvl8pPr>
-    <a:lvl9pPr marL="3657600" algn="l" defTabSz="457200" rtl="0" eaLnBrk="1" latinLnBrk="0" hangingPunct="1">
-      <a:defRPr sz="1800" kern="1200">
+    <a:lvl9pPr marL="3469170" algn="l" defTabSz="433646" rtl="0" eaLnBrk="1" latinLnBrk="0" hangingPunct="1">
+      <a:defRPr sz="1700" kern="1200">
         <a:solidFill>
           <a:schemeClr val="tx1"/>
         </a:solidFill>
@@ -136,8 +136,8 @@
         </p:nvSpPr>
         <p:spPr>
           <a:xfrm>
-            <a:off x="514350" y="2840568"/>
-            <a:ext cx="5829300" cy="1960033"/>
+            <a:off x="514350" y="2585115"/>
+            <a:ext cx="5829300" cy="1783766"/>
           </a:xfrm>
         </p:spPr>
         <p:txBody>
@@ -164,8 +164,8 @@
         </p:nvSpPr>
         <p:spPr>
           <a:xfrm>
-            <a:off x="1028700" y="5181600"/>
-            <a:ext cx="4800600" cy="2336800"/>
+            <a:off x="1028700" y="4715616"/>
+            <a:ext cx="4800600" cy="2126650"/>
           </a:xfrm>
         </p:spPr>
         <p:txBody>
@@ -181,7 +181,7 @@
                 </a:solidFill>
               </a:defRPr>
             </a:lvl1pPr>
-            <a:lvl2pPr marL="457200" indent="0" algn="ctr">
+            <a:lvl2pPr marL="433646" indent="0" algn="ctr">
               <a:buNone/>
               <a:defRPr>
                 <a:solidFill>
@@ -191,7 +191,7 @@
                 </a:solidFill>
               </a:defRPr>
             </a:lvl2pPr>
-            <a:lvl3pPr marL="914400" indent="0" algn="ctr">
+            <a:lvl3pPr marL="867292" indent="0" algn="ctr">
               <a:buNone/>
               <a:defRPr>
                 <a:solidFill>
@@ -201,7 +201,7 @@
                 </a:solidFill>
               </a:defRPr>
             </a:lvl3pPr>
-            <a:lvl4pPr marL="1371600" indent="0" algn="ctr">
+            <a:lvl4pPr marL="1300939" indent="0" algn="ctr">
               <a:buNone/>
               <a:defRPr>
                 <a:solidFill>
@@ -211,7 +211,7 @@
                 </a:solidFill>
               </a:defRPr>
             </a:lvl4pPr>
-            <a:lvl5pPr marL="1828800" indent="0" algn="ctr">
+            <a:lvl5pPr marL="1734585" indent="0" algn="ctr">
               <a:buNone/>
               <a:defRPr>
                 <a:solidFill>
@@ -221,7 +221,7 @@
                 </a:solidFill>
               </a:defRPr>
             </a:lvl5pPr>
-            <a:lvl6pPr marL="2286000" indent="0" algn="ctr">
+            <a:lvl6pPr marL="2168231" indent="0" algn="ctr">
               <a:buNone/>
               <a:defRPr>
                 <a:solidFill>
@@ -231,7 +231,7 @@
                 </a:solidFill>
               </a:defRPr>
             </a:lvl6pPr>
-            <a:lvl7pPr marL="2743200" indent="0" algn="ctr">
+            <a:lvl7pPr marL="2601877" indent="0" algn="ctr">
               <a:buNone/>
               <a:defRPr>
                 <a:solidFill>
@@ -241,7 +241,7 @@
                 </a:solidFill>
               </a:defRPr>
             </a:lvl7pPr>
-            <a:lvl8pPr marL="3200400" indent="0" algn="ctr">
+            <a:lvl8pPr marL="3035524" indent="0" algn="ctr">
               <a:buNone/>
               <a:defRPr>
                 <a:solidFill>
@@ -251,7 +251,7 @@
                 </a:solidFill>
               </a:defRPr>
             </a:lvl8pPr>
-            <a:lvl9pPr marL="3657600" indent="0" algn="ctr">
+            <a:lvl9pPr marL="3469170" indent="0" algn="ctr">
               <a:buNone/>
               <a:defRPr>
                 <a:solidFill>
@@ -288,7 +288,7 @@
           <a:p>
             <a:fld id="{5CCE303C-61B3-6B4B-86C2-B0455BB704B3}" type="datetimeFigureOut">
               <a:rPr lang="en-US" smtClean="0"/>
-              <a:t>2/1/19</a:t>
+              <a:t>7/28/20</a:t>
             </a:fld>
             <a:endParaRPr lang="en-US"/>
           </a:p>
@@ -458,7 +458,7 @@
           <a:p>
             <a:fld id="{5CCE303C-61B3-6B4B-86C2-B0455BB704B3}" type="datetimeFigureOut">
               <a:rPr lang="en-US" smtClean="0"/>
-              <a:t>2/1/19</a:t>
+              <a:t>7/28/20</a:t>
             </a:fld>
             <a:endParaRPr lang="en-US"/>
           </a:p>
@@ -548,8 +548,8 @@
         </p:nvSpPr>
         <p:spPr>
           <a:xfrm>
-            <a:off x="4972050" y="366185"/>
-            <a:ext cx="1543050" cy="7802033"/>
+            <a:off x="4972050" y="333254"/>
+            <a:ext cx="1543050" cy="7100392"/>
           </a:xfrm>
         </p:spPr>
         <p:txBody>
@@ -576,8 +576,8 @@
         </p:nvSpPr>
         <p:spPr>
           <a:xfrm>
-            <a:off x="342900" y="366185"/>
-            <a:ext cx="4514850" cy="7802033"/>
+            <a:off x="342900" y="333254"/>
+            <a:ext cx="4514850" cy="7100392"/>
           </a:xfrm>
         </p:spPr>
         <p:txBody>
@@ -638,7 +638,7 @@
           <a:p>
             <a:fld id="{5CCE303C-61B3-6B4B-86C2-B0455BB704B3}" type="datetimeFigureOut">
               <a:rPr lang="en-US" smtClean="0"/>
-              <a:t>2/1/19</a:t>
+              <a:t>7/28/20</a:t>
             </a:fld>
             <a:endParaRPr lang="en-US"/>
           </a:p>
@@ -808,7 +808,7 @@
           <a:p>
             <a:fld id="{5CCE303C-61B3-6B4B-86C2-B0455BB704B3}" type="datetimeFigureOut">
               <a:rPr lang="en-US" smtClean="0"/>
-              <a:t>2/1/19</a:t>
+              <a:t>7/28/20</a:t>
             </a:fld>
             <a:endParaRPr lang="en-US"/>
           </a:p>
@@ -898,15 +898,15 @@
         </p:nvSpPr>
         <p:spPr>
           <a:xfrm>
-            <a:off x="541735" y="5875867"/>
-            <a:ext cx="5829300" cy="1816100"/>
+            <a:off x="541735" y="5347447"/>
+            <a:ext cx="5829300" cy="1652777"/>
           </a:xfrm>
         </p:spPr>
         <p:txBody>
           <a:bodyPr anchor="t"/>
           <a:lstStyle>
             <a:lvl1pPr algn="l">
-              <a:defRPr sz="4000" b="1" cap="all"/>
+              <a:defRPr sz="3800" b="1" cap="all"/>
             </a:lvl1pPr>
           </a:lstStyle>
           <a:p>
@@ -930,8 +930,8 @@
         </p:nvSpPr>
         <p:spPr>
           <a:xfrm>
-            <a:off x="541735" y="3875618"/>
-            <a:ext cx="5829300" cy="2000249"/>
+            <a:off x="541735" y="3527083"/>
+            <a:ext cx="5829300" cy="1820365"/>
           </a:xfrm>
         </p:spPr>
         <p:txBody>
@@ -939,7 +939,7 @@
           <a:lstStyle>
             <a:lvl1pPr marL="0" indent="0">
               <a:buNone/>
-              <a:defRPr sz="2000">
+              <a:defRPr sz="1900">
                 <a:solidFill>
                   <a:schemeClr val="tx1">
                     <a:tint val="75000"/>
@@ -947,9 +947,9 @@
                 </a:solidFill>
               </a:defRPr>
             </a:lvl1pPr>
-            <a:lvl2pPr marL="457200" indent="0">
-              <a:buNone/>
-              <a:defRPr sz="1800">
+            <a:lvl2pPr marL="433646" indent="0">
+              <a:buNone/>
+              <a:defRPr sz="1700">
                 <a:solidFill>
                   <a:schemeClr val="tx1">
                     <a:tint val="75000"/>
@@ -957,7 +957,7 @@
                 </a:solidFill>
               </a:defRPr>
             </a:lvl2pPr>
-            <a:lvl3pPr marL="914400" indent="0">
+            <a:lvl3pPr marL="867292" indent="0">
               <a:buNone/>
               <a:defRPr sz="1600">
                 <a:solidFill>
@@ -967,9 +967,9 @@
                 </a:solidFill>
               </a:defRPr>
             </a:lvl3pPr>
-            <a:lvl4pPr marL="1371600" indent="0">
-              <a:buNone/>
-              <a:defRPr sz="1400">
+            <a:lvl4pPr marL="1300939" indent="0">
+              <a:buNone/>
+              <a:defRPr sz="1300">
                 <a:solidFill>
                   <a:schemeClr val="tx1">
                     <a:tint val="75000"/>
@@ -977,9 +977,9 @@
                 </a:solidFill>
               </a:defRPr>
             </a:lvl4pPr>
-            <a:lvl5pPr marL="1828800" indent="0">
-              <a:buNone/>
-              <a:defRPr sz="1400">
+            <a:lvl5pPr marL="1734585" indent="0">
+              <a:buNone/>
+              <a:defRPr sz="1300">
                 <a:solidFill>
                   <a:schemeClr val="tx1">
                     <a:tint val="75000"/>
@@ -987,9 +987,9 @@
                 </a:solidFill>
               </a:defRPr>
             </a:lvl5pPr>
-            <a:lvl6pPr marL="2286000" indent="0">
-              <a:buNone/>
-              <a:defRPr sz="1400">
+            <a:lvl6pPr marL="2168231" indent="0">
+              <a:buNone/>
+              <a:defRPr sz="1300">
                 <a:solidFill>
                   <a:schemeClr val="tx1">
                     <a:tint val="75000"/>
@@ -997,9 +997,9 @@
                 </a:solidFill>
               </a:defRPr>
             </a:lvl6pPr>
-            <a:lvl7pPr marL="2743200" indent="0">
-              <a:buNone/>
-              <a:defRPr sz="1400">
+            <a:lvl7pPr marL="2601877" indent="0">
+              <a:buNone/>
+              <a:defRPr sz="1300">
                 <a:solidFill>
                   <a:schemeClr val="tx1">
                     <a:tint val="75000"/>
@@ -1007,9 +1007,9 @@
                 </a:solidFill>
               </a:defRPr>
             </a:lvl7pPr>
-            <a:lvl8pPr marL="3200400" indent="0">
-              <a:buNone/>
-              <a:defRPr sz="1400">
+            <a:lvl8pPr marL="3035524" indent="0">
+              <a:buNone/>
+              <a:defRPr sz="1300">
                 <a:solidFill>
                   <a:schemeClr val="tx1">
                     <a:tint val="75000"/>
@@ -1017,9 +1017,9 @@
                 </a:solidFill>
               </a:defRPr>
             </a:lvl8pPr>
-            <a:lvl9pPr marL="3657600" indent="0">
-              <a:buNone/>
-              <a:defRPr sz="1400">
+            <a:lvl9pPr marL="3469170" indent="0">
+              <a:buNone/>
+              <a:defRPr sz="1300">
                 <a:solidFill>
                   <a:schemeClr val="tx1">
                     <a:tint val="75000"/>
@@ -1054,7 +1054,7 @@
           <a:p>
             <a:fld id="{5CCE303C-61B3-6B4B-86C2-B0455BB704B3}" type="datetimeFigureOut">
               <a:rPr lang="en-US" smtClean="0"/>
-              <a:t>2/1/19</a:t>
+              <a:t>7/28/20</a:t>
             </a:fld>
             <a:endParaRPr lang="en-US"/>
           </a:p>
@@ -1167,39 +1167,39 @@
         </p:nvSpPr>
         <p:spPr>
           <a:xfrm>
-            <a:off x="342900" y="2133601"/>
-            <a:ext cx="3028950" cy="6034617"/>
+            <a:off x="342900" y="1941727"/>
+            <a:ext cx="3028950" cy="5491920"/>
           </a:xfrm>
         </p:spPr>
         <p:txBody>
           <a:bodyPr/>
           <a:lstStyle>
             <a:lvl1pPr>
-              <a:defRPr sz="2800"/>
+              <a:defRPr sz="2700"/>
             </a:lvl1pPr>
             <a:lvl2pPr>
-              <a:defRPr sz="2400"/>
+              <a:defRPr sz="2300"/>
             </a:lvl2pPr>
             <a:lvl3pPr>
-              <a:defRPr sz="2000"/>
+              <a:defRPr sz="1900"/>
             </a:lvl3pPr>
             <a:lvl4pPr>
-              <a:defRPr sz="1800"/>
+              <a:defRPr sz="1700"/>
             </a:lvl4pPr>
             <a:lvl5pPr>
-              <a:defRPr sz="1800"/>
+              <a:defRPr sz="1700"/>
             </a:lvl5pPr>
             <a:lvl6pPr>
-              <a:defRPr sz="1800"/>
+              <a:defRPr sz="1700"/>
             </a:lvl6pPr>
             <a:lvl7pPr>
-              <a:defRPr sz="1800"/>
+              <a:defRPr sz="1700"/>
             </a:lvl7pPr>
             <a:lvl8pPr>
-              <a:defRPr sz="1800"/>
+              <a:defRPr sz="1700"/>
             </a:lvl8pPr>
             <a:lvl9pPr>
-              <a:defRPr sz="1800"/>
+              <a:defRPr sz="1700"/>
             </a:lvl9pPr>
           </a:lstStyle>
           <a:p>
@@ -1252,39 +1252,39 @@
         </p:nvSpPr>
         <p:spPr>
           <a:xfrm>
-            <a:off x="3486150" y="2133601"/>
-            <a:ext cx="3028950" cy="6034617"/>
+            <a:off x="3486150" y="1941727"/>
+            <a:ext cx="3028950" cy="5491920"/>
           </a:xfrm>
         </p:spPr>
         <p:txBody>
           <a:bodyPr/>
           <a:lstStyle>
             <a:lvl1pPr>
-              <a:defRPr sz="2800"/>
+              <a:defRPr sz="2700"/>
             </a:lvl1pPr>
             <a:lvl2pPr>
-              <a:defRPr sz="2400"/>
+              <a:defRPr sz="2300"/>
             </a:lvl2pPr>
             <a:lvl3pPr>
-              <a:defRPr sz="2000"/>
+              <a:defRPr sz="1900"/>
             </a:lvl3pPr>
             <a:lvl4pPr>
-              <a:defRPr sz="1800"/>
+              <a:defRPr sz="1700"/>
             </a:lvl4pPr>
             <a:lvl5pPr>
-              <a:defRPr sz="1800"/>
+              <a:defRPr sz="1700"/>
             </a:lvl5pPr>
             <a:lvl6pPr>
-              <a:defRPr sz="1800"/>
+              <a:defRPr sz="1700"/>
             </a:lvl6pPr>
             <a:lvl7pPr>
-              <a:defRPr sz="1800"/>
+              <a:defRPr sz="1700"/>
             </a:lvl7pPr>
             <a:lvl8pPr>
-              <a:defRPr sz="1800"/>
+              <a:defRPr sz="1700"/>
             </a:lvl8pPr>
             <a:lvl9pPr>
-              <a:defRPr sz="1800"/>
+              <a:defRPr sz="1700"/>
             </a:lvl9pPr>
           </a:lstStyle>
           <a:p>
@@ -1342,7 +1342,7 @@
           <a:p>
             <a:fld id="{5CCE303C-61B3-6B4B-86C2-B0455BB704B3}" type="datetimeFigureOut">
               <a:rPr lang="en-US" smtClean="0"/>
-              <a:t>2/1/19</a:t>
+              <a:t>7/28/20</a:t>
             </a:fld>
             <a:endParaRPr lang="en-US"/>
           </a:p>
@@ -1459,8 +1459,8 @@
         </p:nvSpPr>
         <p:spPr>
           <a:xfrm>
-            <a:off x="342900" y="2046817"/>
-            <a:ext cx="3030141" cy="853016"/>
+            <a:off x="342900" y="1862747"/>
+            <a:ext cx="3030141" cy="776303"/>
           </a:xfrm>
         </p:spPr>
         <p:txBody>
@@ -1468,37 +1468,37 @@
           <a:lstStyle>
             <a:lvl1pPr marL="0" indent="0">
               <a:buNone/>
-              <a:defRPr sz="2400" b="1"/>
+              <a:defRPr sz="2300" b="1"/>
             </a:lvl1pPr>
-            <a:lvl2pPr marL="457200" indent="0">
-              <a:buNone/>
-              <a:defRPr sz="2000" b="1"/>
+            <a:lvl2pPr marL="433646" indent="0">
+              <a:buNone/>
+              <a:defRPr sz="1900" b="1"/>
             </a:lvl2pPr>
-            <a:lvl3pPr marL="914400" indent="0">
-              <a:buNone/>
-              <a:defRPr sz="1800" b="1"/>
+            <a:lvl3pPr marL="867292" indent="0">
+              <a:buNone/>
+              <a:defRPr sz="1700" b="1"/>
             </a:lvl3pPr>
-            <a:lvl4pPr marL="1371600" indent="0">
+            <a:lvl4pPr marL="1300939" indent="0">
               <a:buNone/>
               <a:defRPr sz="1600" b="1"/>
             </a:lvl4pPr>
-            <a:lvl5pPr marL="1828800" indent="0">
+            <a:lvl5pPr marL="1734585" indent="0">
               <a:buNone/>
               <a:defRPr sz="1600" b="1"/>
             </a:lvl5pPr>
-            <a:lvl6pPr marL="2286000" indent="0">
+            <a:lvl6pPr marL="2168231" indent="0">
               <a:buNone/>
               <a:defRPr sz="1600" b="1"/>
             </a:lvl6pPr>
-            <a:lvl7pPr marL="2743200" indent="0">
+            <a:lvl7pPr marL="2601877" indent="0">
               <a:buNone/>
               <a:defRPr sz="1600" b="1"/>
             </a:lvl7pPr>
-            <a:lvl8pPr marL="3200400" indent="0">
+            <a:lvl8pPr marL="3035524" indent="0">
               <a:buNone/>
               <a:defRPr sz="1600" b="1"/>
             </a:lvl8pPr>
-            <a:lvl9pPr marL="3657600" indent="0">
+            <a:lvl9pPr marL="3469170" indent="0">
               <a:buNone/>
               <a:defRPr sz="1600" b="1"/>
             </a:lvl9pPr>
@@ -1524,21 +1524,21 @@
         </p:nvSpPr>
         <p:spPr>
           <a:xfrm>
-            <a:off x="342900" y="2899833"/>
-            <a:ext cx="3030141" cy="5268384"/>
+            <a:off x="342900" y="2639050"/>
+            <a:ext cx="3030141" cy="4794596"/>
           </a:xfrm>
         </p:spPr>
         <p:txBody>
           <a:bodyPr/>
           <a:lstStyle>
             <a:lvl1pPr>
-              <a:defRPr sz="2400"/>
+              <a:defRPr sz="2300"/>
             </a:lvl1pPr>
             <a:lvl2pPr>
-              <a:defRPr sz="2000"/>
+              <a:defRPr sz="1900"/>
             </a:lvl2pPr>
             <a:lvl3pPr>
-              <a:defRPr sz="1800"/>
+              <a:defRPr sz="1700"/>
             </a:lvl3pPr>
             <a:lvl4pPr>
               <a:defRPr sz="1600"/>
@@ -1609,8 +1609,8 @@
         </p:nvSpPr>
         <p:spPr>
           <a:xfrm>
-            <a:off x="3483769" y="2046817"/>
-            <a:ext cx="3031331" cy="853016"/>
+            <a:off x="3483769" y="1862747"/>
+            <a:ext cx="3031331" cy="776303"/>
           </a:xfrm>
         </p:spPr>
         <p:txBody>
@@ -1618,37 +1618,37 @@
           <a:lstStyle>
             <a:lvl1pPr marL="0" indent="0">
               <a:buNone/>
-              <a:defRPr sz="2400" b="1"/>
+              <a:defRPr sz="2300" b="1"/>
             </a:lvl1pPr>
-            <a:lvl2pPr marL="457200" indent="0">
-              <a:buNone/>
-              <a:defRPr sz="2000" b="1"/>
+            <a:lvl2pPr marL="433646" indent="0">
+              <a:buNone/>
+              <a:defRPr sz="1900" b="1"/>
             </a:lvl2pPr>
-            <a:lvl3pPr marL="914400" indent="0">
-              <a:buNone/>
-              <a:defRPr sz="1800" b="1"/>
+            <a:lvl3pPr marL="867292" indent="0">
+              <a:buNone/>
+              <a:defRPr sz="1700" b="1"/>
             </a:lvl3pPr>
-            <a:lvl4pPr marL="1371600" indent="0">
+            <a:lvl4pPr marL="1300939" indent="0">
               <a:buNone/>
               <a:defRPr sz="1600" b="1"/>
             </a:lvl4pPr>
-            <a:lvl5pPr marL="1828800" indent="0">
+            <a:lvl5pPr marL="1734585" indent="0">
               <a:buNone/>
               <a:defRPr sz="1600" b="1"/>
             </a:lvl5pPr>
-            <a:lvl6pPr marL="2286000" indent="0">
+            <a:lvl6pPr marL="2168231" indent="0">
               <a:buNone/>
               <a:defRPr sz="1600" b="1"/>
             </a:lvl6pPr>
-            <a:lvl7pPr marL="2743200" indent="0">
+            <a:lvl7pPr marL="2601877" indent="0">
               <a:buNone/>
               <a:defRPr sz="1600" b="1"/>
             </a:lvl7pPr>
-            <a:lvl8pPr marL="3200400" indent="0">
+            <a:lvl8pPr marL="3035524" indent="0">
               <a:buNone/>
               <a:defRPr sz="1600" b="1"/>
             </a:lvl8pPr>
-            <a:lvl9pPr marL="3657600" indent="0">
+            <a:lvl9pPr marL="3469170" indent="0">
               <a:buNone/>
               <a:defRPr sz="1600" b="1"/>
             </a:lvl9pPr>
@@ -1674,21 +1674,21 @@
         </p:nvSpPr>
         <p:spPr>
           <a:xfrm>
-            <a:off x="3483769" y="2899833"/>
-            <a:ext cx="3031331" cy="5268384"/>
+            <a:off x="3483769" y="2639050"/>
+            <a:ext cx="3031331" cy="4794596"/>
           </a:xfrm>
         </p:spPr>
         <p:txBody>
           <a:bodyPr/>
           <a:lstStyle>
             <a:lvl1pPr>
-              <a:defRPr sz="2400"/>
+              <a:defRPr sz="2300"/>
             </a:lvl1pPr>
             <a:lvl2pPr>
-              <a:defRPr sz="2000"/>
+              <a:defRPr sz="1900"/>
             </a:lvl2pPr>
             <a:lvl3pPr>
-              <a:defRPr sz="1800"/>
+              <a:defRPr sz="1700"/>
             </a:lvl3pPr>
             <a:lvl4pPr>
               <a:defRPr sz="1600"/>
@@ -1764,7 +1764,7 @@
           <a:p>
             <a:fld id="{5CCE303C-61B3-6B4B-86C2-B0455BB704B3}" type="datetimeFigureOut">
               <a:rPr lang="en-US" smtClean="0"/>
-              <a:t>2/1/19</a:t>
+              <a:t>7/28/20</a:t>
             </a:fld>
             <a:endParaRPr lang="en-US"/>
           </a:p>
@@ -1882,7 +1882,7 @@
           <a:p>
             <a:fld id="{5CCE303C-61B3-6B4B-86C2-B0455BB704B3}" type="datetimeFigureOut">
               <a:rPr lang="en-US" smtClean="0"/>
-              <a:t>2/1/19</a:t>
+              <a:t>7/28/20</a:t>
             </a:fld>
             <a:endParaRPr lang="en-US"/>
           </a:p>
@@ -1977,7 +1977,7 @@
           <a:p>
             <a:fld id="{5CCE303C-61B3-6B4B-86C2-B0455BB704B3}" type="datetimeFigureOut">
               <a:rPr lang="en-US" smtClean="0"/>
-              <a:t>2/1/19</a:t>
+              <a:t>7/28/20</a:t>
             </a:fld>
             <a:endParaRPr lang="en-US"/>
           </a:p>
@@ -2067,15 +2067,15 @@
         </p:nvSpPr>
         <p:spPr>
           <a:xfrm>
-            <a:off x="342900" y="364067"/>
-            <a:ext cx="2256235" cy="1549400"/>
+            <a:off x="342901" y="331326"/>
+            <a:ext cx="2256235" cy="1410062"/>
           </a:xfrm>
         </p:spPr>
         <p:txBody>
           <a:bodyPr anchor="b"/>
           <a:lstStyle>
             <a:lvl1pPr algn="l">
-              <a:defRPr sz="2000" b="1"/>
+              <a:defRPr sz="1900" b="1"/>
             </a:lvl1pPr>
           </a:lstStyle>
           <a:p>
@@ -2099,39 +2099,39 @@
         </p:nvSpPr>
         <p:spPr>
           <a:xfrm>
-            <a:off x="2681287" y="364067"/>
-            <a:ext cx="3833813" cy="7804151"/>
+            <a:off x="2681288" y="331327"/>
+            <a:ext cx="3833813" cy="7102319"/>
           </a:xfrm>
         </p:spPr>
         <p:txBody>
           <a:bodyPr/>
           <a:lstStyle>
             <a:lvl1pPr>
-              <a:defRPr sz="3200"/>
+              <a:defRPr sz="3000"/>
             </a:lvl1pPr>
             <a:lvl2pPr>
-              <a:defRPr sz="2800"/>
+              <a:defRPr sz="2700"/>
             </a:lvl2pPr>
             <a:lvl3pPr>
-              <a:defRPr sz="2400"/>
+              <a:defRPr sz="2300"/>
             </a:lvl3pPr>
             <a:lvl4pPr>
-              <a:defRPr sz="2000"/>
+              <a:defRPr sz="1900"/>
             </a:lvl4pPr>
             <a:lvl5pPr>
-              <a:defRPr sz="2000"/>
+              <a:defRPr sz="1900"/>
             </a:lvl5pPr>
             <a:lvl6pPr>
-              <a:defRPr sz="2000"/>
+              <a:defRPr sz="1900"/>
             </a:lvl6pPr>
             <a:lvl7pPr>
-              <a:defRPr sz="2000"/>
+              <a:defRPr sz="1900"/>
             </a:lvl7pPr>
             <a:lvl8pPr>
-              <a:defRPr sz="2000"/>
+              <a:defRPr sz="1900"/>
             </a:lvl8pPr>
             <a:lvl9pPr>
-              <a:defRPr sz="2000"/>
+              <a:defRPr sz="1900"/>
             </a:lvl9pPr>
           </a:lstStyle>
           <a:p>
@@ -2184,8 +2184,8 @@
         </p:nvSpPr>
         <p:spPr>
           <a:xfrm>
-            <a:off x="342900" y="1913467"/>
-            <a:ext cx="2256235" cy="6254751"/>
+            <a:off x="342901" y="1741388"/>
+            <a:ext cx="2256235" cy="5692258"/>
           </a:xfrm>
         </p:spPr>
         <p:txBody>
@@ -2193,39 +2193,39 @@
           <a:lstStyle>
             <a:lvl1pPr marL="0" indent="0">
               <a:buNone/>
-              <a:defRPr sz="1400"/>
+              <a:defRPr sz="1300"/>
             </a:lvl1pPr>
-            <a:lvl2pPr marL="457200" indent="0">
-              <a:buNone/>
-              <a:defRPr sz="1200"/>
+            <a:lvl2pPr marL="433646" indent="0">
+              <a:buNone/>
+              <a:defRPr sz="1100"/>
             </a:lvl2pPr>
-            <a:lvl3pPr marL="914400" indent="0">
-              <a:buNone/>
-              <a:defRPr sz="1000"/>
+            <a:lvl3pPr marL="867292" indent="0">
+              <a:buNone/>
+              <a:defRPr sz="900"/>
             </a:lvl3pPr>
-            <a:lvl4pPr marL="1371600" indent="0">
-              <a:buNone/>
-              <a:defRPr sz="900"/>
+            <a:lvl4pPr marL="1300939" indent="0">
+              <a:buNone/>
+              <a:defRPr sz="800"/>
             </a:lvl4pPr>
-            <a:lvl5pPr marL="1828800" indent="0">
-              <a:buNone/>
-              <a:defRPr sz="900"/>
+            <a:lvl5pPr marL="1734585" indent="0">
+              <a:buNone/>
+              <a:defRPr sz="800"/>
             </a:lvl5pPr>
-            <a:lvl6pPr marL="2286000" indent="0">
-              <a:buNone/>
-              <a:defRPr sz="900"/>
+            <a:lvl6pPr marL="2168231" indent="0">
+              <a:buNone/>
+              <a:defRPr sz="800"/>
             </a:lvl6pPr>
-            <a:lvl7pPr marL="2743200" indent="0">
-              <a:buNone/>
-              <a:defRPr sz="900"/>
+            <a:lvl7pPr marL="2601877" indent="0">
+              <a:buNone/>
+              <a:defRPr sz="800"/>
             </a:lvl7pPr>
-            <a:lvl8pPr marL="3200400" indent="0">
-              <a:buNone/>
-              <a:defRPr sz="900"/>
+            <a:lvl8pPr marL="3035524" indent="0">
+              <a:buNone/>
+              <a:defRPr sz="800"/>
             </a:lvl8pPr>
-            <a:lvl9pPr marL="3657600" indent="0">
-              <a:buNone/>
-              <a:defRPr sz="900"/>
+            <a:lvl9pPr marL="3469170" indent="0">
+              <a:buNone/>
+              <a:defRPr sz="800"/>
             </a:lvl9pPr>
           </a:lstStyle>
           <a:p>
@@ -2254,7 +2254,7 @@
           <a:p>
             <a:fld id="{5CCE303C-61B3-6B4B-86C2-B0455BB704B3}" type="datetimeFigureOut">
               <a:rPr lang="en-US" smtClean="0"/>
-              <a:t>2/1/19</a:t>
+              <a:t>7/28/20</a:t>
             </a:fld>
             <a:endParaRPr lang="en-US"/>
           </a:p>
@@ -2344,15 +2344,15 @@
         </p:nvSpPr>
         <p:spPr>
           <a:xfrm>
-            <a:off x="1344216" y="6400800"/>
-            <a:ext cx="4114800" cy="755651"/>
+            <a:off x="1344216" y="5825172"/>
+            <a:ext cx="4114800" cy="687695"/>
           </a:xfrm>
         </p:spPr>
         <p:txBody>
           <a:bodyPr anchor="b"/>
           <a:lstStyle>
             <a:lvl1pPr algn="l">
-              <a:defRPr sz="2000" b="1"/>
+              <a:defRPr sz="1900" b="1"/>
             </a:lvl1pPr>
           </a:lstStyle>
           <a:p>
@@ -2376,8 +2376,8 @@
         </p:nvSpPr>
         <p:spPr>
           <a:xfrm>
-            <a:off x="1344216" y="817033"/>
-            <a:ext cx="4114800" cy="5486400"/>
+            <a:off x="1344216" y="743557"/>
+            <a:ext cx="4114800" cy="4993005"/>
           </a:xfrm>
         </p:spPr>
         <p:txBody>
@@ -2385,39 +2385,39 @@
           <a:lstStyle>
             <a:lvl1pPr marL="0" indent="0">
               <a:buNone/>
-              <a:defRPr sz="3200"/>
+              <a:defRPr sz="3000"/>
             </a:lvl1pPr>
-            <a:lvl2pPr marL="457200" indent="0">
-              <a:buNone/>
-              <a:defRPr sz="2800"/>
+            <a:lvl2pPr marL="433646" indent="0">
+              <a:buNone/>
+              <a:defRPr sz="2700"/>
             </a:lvl2pPr>
-            <a:lvl3pPr marL="914400" indent="0">
-              <a:buNone/>
-              <a:defRPr sz="2400"/>
+            <a:lvl3pPr marL="867292" indent="0">
+              <a:buNone/>
+              <a:defRPr sz="2300"/>
             </a:lvl3pPr>
-            <a:lvl4pPr marL="1371600" indent="0">
-              <a:buNone/>
-              <a:defRPr sz="2000"/>
+            <a:lvl4pPr marL="1300939" indent="0">
+              <a:buNone/>
+              <a:defRPr sz="1900"/>
             </a:lvl4pPr>
-            <a:lvl5pPr marL="1828800" indent="0">
-              <a:buNone/>
-              <a:defRPr sz="2000"/>
+            <a:lvl5pPr marL="1734585" indent="0">
+              <a:buNone/>
+              <a:defRPr sz="1900"/>
             </a:lvl5pPr>
-            <a:lvl6pPr marL="2286000" indent="0">
-              <a:buNone/>
-              <a:defRPr sz="2000"/>
+            <a:lvl6pPr marL="2168231" indent="0">
+              <a:buNone/>
+              <a:defRPr sz="1900"/>
             </a:lvl6pPr>
-            <a:lvl7pPr marL="2743200" indent="0">
-              <a:buNone/>
-              <a:defRPr sz="2000"/>
+            <a:lvl7pPr marL="2601877" indent="0">
+              <a:buNone/>
+              <a:defRPr sz="1900"/>
             </a:lvl7pPr>
-            <a:lvl8pPr marL="3200400" indent="0">
-              <a:buNone/>
-              <a:defRPr sz="2000"/>
+            <a:lvl8pPr marL="3035524" indent="0">
+              <a:buNone/>
+              <a:defRPr sz="1900"/>
             </a:lvl8pPr>
-            <a:lvl9pPr marL="3657600" indent="0">
-              <a:buNone/>
-              <a:defRPr sz="2000"/>
+            <a:lvl9pPr marL="3469170" indent="0">
+              <a:buNone/>
+              <a:defRPr sz="1900"/>
             </a:lvl9pPr>
           </a:lstStyle>
           <a:p>
@@ -2437,8 +2437,8 @@
         </p:nvSpPr>
         <p:spPr>
           <a:xfrm>
-            <a:off x="1344216" y="7156451"/>
-            <a:ext cx="4114800" cy="1073149"/>
+            <a:off x="1344216" y="6512867"/>
+            <a:ext cx="4114800" cy="976640"/>
           </a:xfrm>
         </p:spPr>
         <p:txBody>
@@ -2446,39 +2446,39 @@
           <a:lstStyle>
             <a:lvl1pPr marL="0" indent="0">
               <a:buNone/>
-              <a:defRPr sz="1400"/>
+              <a:defRPr sz="1300"/>
             </a:lvl1pPr>
-            <a:lvl2pPr marL="457200" indent="0">
-              <a:buNone/>
-              <a:defRPr sz="1200"/>
+            <a:lvl2pPr marL="433646" indent="0">
+              <a:buNone/>
+              <a:defRPr sz="1100"/>
             </a:lvl2pPr>
-            <a:lvl3pPr marL="914400" indent="0">
-              <a:buNone/>
-              <a:defRPr sz="1000"/>
+            <a:lvl3pPr marL="867292" indent="0">
+              <a:buNone/>
+              <a:defRPr sz="900"/>
             </a:lvl3pPr>
-            <a:lvl4pPr marL="1371600" indent="0">
-              <a:buNone/>
-              <a:defRPr sz="900"/>
+            <a:lvl4pPr marL="1300939" indent="0">
+              <a:buNone/>
+              <a:defRPr sz="800"/>
             </a:lvl4pPr>
-            <a:lvl5pPr marL="1828800" indent="0">
-              <a:buNone/>
-              <a:defRPr sz="900"/>
+            <a:lvl5pPr marL="1734585" indent="0">
+              <a:buNone/>
+              <a:defRPr sz="800"/>
             </a:lvl5pPr>
-            <a:lvl6pPr marL="2286000" indent="0">
-              <a:buNone/>
-              <a:defRPr sz="900"/>
+            <a:lvl6pPr marL="2168231" indent="0">
+              <a:buNone/>
+              <a:defRPr sz="800"/>
             </a:lvl6pPr>
-            <a:lvl7pPr marL="2743200" indent="0">
-              <a:buNone/>
-              <a:defRPr sz="900"/>
+            <a:lvl7pPr marL="2601877" indent="0">
+              <a:buNone/>
+              <a:defRPr sz="800"/>
             </a:lvl7pPr>
-            <a:lvl8pPr marL="3200400" indent="0">
-              <a:buNone/>
-              <a:defRPr sz="900"/>
+            <a:lvl8pPr marL="3035524" indent="0">
+              <a:buNone/>
+              <a:defRPr sz="800"/>
             </a:lvl8pPr>
-            <a:lvl9pPr marL="3657600" indent="0">
-              <a:buNone/>
-              <a:defRPr sz="900"/>
+            <a:lvl9pPr marL="3469170" indent="0">
+              <a:buNone/>
+              <a:defRPr sz="800"/>
             </a:lvl9pPr>
           </a:lstStyle>
           <a:p>
@@ -2507,7 +2507,7 @@
           <a:p>
             <a:fld id="{5CCE303C-61B3-6B4B-86C2-B0455BB704B3}" type="datetimeFigureOut">
               <a:rPr lang="en-US" smtClean="0"/>
-              <a:t>2/1/19</a:t>
+              <a:t>7/28/20</a:t>
             </a:fld>
             <a:endParaRPr lang="en-US"/>
           </a:p>
@@ -2602,15 +2602,15 @@
         </p:nvSpPr>
         <p:spPr>
           <a:xfrm>
-            <a:off x="342900" y="366184"/>
-            <a:ext cx="6172200" cy="1524000"/>
-          </a:xfrm>
-          <a:prstGeom prst="rect">
-            <a:avLst/>
-          </a:prstGeom>
-        </p:spPr>
-        <p:txBody>
-          <a:bodyPr vert="horz" lIns="91440" tIns="45720" rIns="91440" bIns="45720" rtlCol="0" anchor="ctr">
+            <a:off x="342900" y="333253"/>
+            <a:ext cx="6172200" cy="1386946"/>
+          </a:xfrm>
+          <a:prstGeom prst="rect">
+            <a:avLst/>
+          </a:prstGeom>
+        </p:spPr>
+        <p:txBody>
+          <a:bodyPr vert="horz" lIns="86729" tIns="43364" rIns="86729" bIns="43364" rtlCol="0" anchor="ctr">
             <a:normAutofit/>
           </a:bodyPr>
           <a:lstStyle/>
@@ -2635,15 +2635,15 @@
         </p:nvSpPr>
         <p:spPr>
           <a:xfrm>
-            <a:off x="342900" y="2133601"/>
-            <a:ext cx="6172200" cy="6034617"/>
-          </a:xfrm>
-          <a:prstGeom prst="rect">
-            <a:avLst/>
-          </a:prstGeom>
-        </p:spPr>
-        <p:txBody>
-          <a:bodyPr vert="horz" lIns="91440" tIns="45720" rIns="91440" bIns="45720" rtlCol="0">
+            <a:off x="342900" y="1941727"/>
+            <a:ext cx="6172200" cy="5491920"/>
+          </a:xfrm>
+          <a:prstGeom prst="rect">
+            <a:avLst/>
+          </a:prstGeom>
+        </p:spPr>
+        <p:txBody>
+          <a:bodyPr vert="horz" lIns="86729" tIns="43364" rIns="86729" bIns="43364" rtlCol="0">
             <a:normAutofit/>
           </a:bodyPr>
           <a:lstStyle/>
@@ -2697,18 +2697,18 @@
         </p:nvSpPr>
         <p:spPr>
           <a:xfrm>
-            <a:off x="342900" y="8475134"/>
-            <a:ext cx="1600200" cy="486833"/>
-          </a:xfrm>
-          <a:prstGeom prst="rect">
-            <a:avLst/>
-          </a:prstGeom>
-        </p:spPr>
-        <p:txBody>
-          <a:bodyPr vert="horz" lIns="91440" tIns="45720" rIns="91440" bIns="45720" rtlCol="0" anchor="ctr"/>
+            <a:off x="342900" y="7712961"/>
+            <a:ext cx="1600200" cy="443052"/>
+          </a:xfrm>
+          <a:prstGeom prst="rect">
+            <a:avLst/>
+          </a:prstGeom>
+        </p:spPr>
+        <p:txBody>
+          <a:bodyPr vert="horz" lIns="86729" tIns="43364" rIns="86729" bIns="43364" rtlCol="0" anchor="ctr"/>
           <a:lstStyle>
             <a:lvl1pPr algn="l">
-              <a:defRPr sz="1200">
+              <a:defRPr sz="1100">
                 <a:solidFill>
                   <a:schemeClr val="tx1">
                     <a:tint val="75000"/>
@@ -2720,7 +2720,7 @@
           <a:p>
             <a:fld id="{5CCE303C-61B3-6B4B-86C2-B0455BB704B3}" type="datetimeFigureOut">
               <a:rPr lang="en-US" smtClean="0"/>
-              <a:t>2/1/19</a:t>
+              <a:t>7/28/20</a:t>
             </a:fld>
             <a:endParaRPr lang="en-US"/>
           </a:p>
@@ -2738,18 +2738,18 @@
         </p:nvSpPr>
         <p:spPr>
           <a:xfrm>
-            <a:off x="2343150" y="8475134"/>
-            <a:ext cx="2171700" cy="486833"/>
-          </a:xfrm>
-          <a:prstGeom prst="rect">
-            <a:avLst/>
-          </a:prstGeom>
-        </p:spPr>
-        <p:txBody>
-          <a:bodyPr vert="horz" lIns="91440" tIns="45720" rIns="91440" bIns="45720" rtlCol="0" anchor="ctr"/>
+            <a:off x="2343150" y="7712961"/>
+            <a:ext cx="2171700" cy="443052"/>
+          </a:xfrm>
+          <a:prstGeom prst="rect">
+            <a:avLst/>
+          </a:prstGeom>
+        </p:spPr>
+        <p:txBody>
+          <a:bodyPr vert="horz" lIns="86729" tIns="43364" rIns="86729" bIns="43364" rtlCol="0" anchor="ctr"/>
           <a:lstStyle>
             <a:lvl1pPr algn="ctr">
-              <a:defRPr sz="1200">
+              <a:defRPr sz="1100">
                 <a:solidFill>
                   <a:schemeClr val="tx1">
                     <a:tint val="75000"/>
@@ -2775,18 +2775,18 @@
         </p:nvSpPr>
         <p:spPr>
           <a:xfrm>
-            <a:off x="4914900" y="8475134"/>
-            <a:ext cx="1600200" cy="486833"/>
-          </a:xfrm>
-          <a:prstGeom prst="rect">
-            <a:avLst/>
-          </a:prstGeom>
-        </p:spPr>
-        <p:txBody>
-          <a:bodyPr vert="horz" lIns="91440" tIns="45720" rIns="91440" bIns="45720" rtlCol="0" anchor="ctr"/>
+            <a:off x="4914900" y="7712961"/>
+            <a:ext cx="1600200" cy="443052"/>
+          </a:xfrm>
+          <a:prstGeom prst="rect">
+            <a:avLst/>
+          </a:prstGeom>
+        </p:spPr>
+        <p:txBody>
+          <a:bodyPr vert="horz" lIns="86729" tIns="43364" rIns="86729" bIns="43364" rtlCol="0" anchor="ctr"/>
           <a:lstStyle>
             <a:lvl1pPr algn="r">
-              <a:defRPr sz="1200">
+              <a:defRPr sz="1100">
                 <a:solidFill>
                   <a:schemeClr val="tx1">
                     <a:tint val="75000"/>
@@ -2827,12 +2827,12 @@
   </p:sldLayoutIdLst>
   <p:txStyles>
     <p:titleStyle>
-      <a:lvl1pPr algn="ctr" defTabSz="457200" rtl="0" eaLnBrk="1" latinLnBrk="0" hangingPunct="1">
+      <a:lvl1pPr algn="ctr" defTabSz="433646" rtl="0" eaLnBrk="1" latinLnBrk="0" hangingPunct="1">
         <a:spcBef>
           <a:spcPct val="0"/>
         </a:spcBef>
         <a:buNone/>
-        <a:defRPr sz="4400" kern="1200">
+        <a:defRPr sz="4200" kern="1200">
           <a:solidFill>
             <a:schemeClr val="tx1"/>
           </a:solidFill>
@@ -2843,13 +2843,13 @@
       </a:lvl1pPr>
     </p:titleStyle>
     <p:bodyStyle>
-      <a:lvl1pPr marL="342900" indent="-342900" algn="l" defTabSz="457200" rtl="0" eaLnBrk="1" latinLnBrk="0" hangingPunct="1">
+      <a:lvl1pPr marL="325234" indent="-325234" algn="l" defTabSz="433646" rtl="0" eaLnBrk="1" latinLnBrk="0" hangingPunct="1">
         <a:spcBef>
           <a:spcPct val="20000"/>
         </a:spcBef>
         <a:buFont typeface="Arial"/>
         <a:buChar char="•"/>
-        <a:defRPr sz="3200" kern="1200">
+        <a:defRPr sz="3000" kern="1200">
           <a:solidFill>
             <a:schemeClr val="tx1"/>
           </a:solidFill>
@@ -2858,13 +2858,13 @@
           <a:cs typeface="+mn-cs"/>
         </a:defRPr>
       </a:lvl1pPr>
-      <a:lvl2pPr marL="742950" indent="-285750" algn="l" defTabSz="457200" rtl="0" eaLnBrk="1" latinLnBrk="0" hangingPunct="1">
+      <a:lvl2pPr marL="704675" indent="-271029" algn="l" defTabSz="433646" rtl="0" eaLnBrk="1" latinLnBrk="0" hangingPunct="1">
         <a:spcBef>
           <a:spcPct val="20000"/>
         </a:spcBef>
         <a:buFont typeface="Arial"/>
         <a:buChar char="–"/>
-        <a:defRPr sz="2800" kern="1200">
+        <a:defRPr sz="2700" kern="1200">
           <a:solidFill>
             <a:schemeClr val="tx1"/>
           </a:solidFill>
@@ -2873,13 +2873,13 @@
           <a:cs typeface="+mn-cs"/>
         </a:defRPr>
       </a:lvl2pPr>
-      <a:lvl3pPr marL="1143000" indent="-228600" algn="l" defTabSz="457200" rtl="0" eaLnBrk="1" latinLnBrk="0" hangingPunct="1">
+      <a:lvl3pPr marL="1084116" indent="-216823" algn="l" defTabSz="433646" rtl="0" eaLnBrk="1" latinLnBrk="0" hangingPunct="1">
         <a:spcBef>
           <a:spcPct val="20000"/>
         </a:spcBef>
         <a:buFont typeface="Arial"/>
         <a:buChar char="•"/>
-        <a:defRPr sz="2400" kern="1200">
+        <a:defRPr sz="2300" kern="1200">
           <a:solidFill>
             <a:schemeClr val="tx1"/>
           </a:solidFill>
@@ -2888,13 +2888,13 @@
           <a:cs typeface="+mn-cs"/>
         </a:defRPr>
       </a:lvl3pPr>
-      <a:lvl4pPr marL="1600200" indent="-228600" algn="l" defTabSz="457200" rtl="0" eaLnBrk="1" latinLnBrk="0" hangingPunct="1">
+      <a:lvl4pPr marL="1517762" indent="-216823" algn="l" defTabSz="433646" rtl="0" eaLnBrk="1" latinLnBrk="0" hangingPunct="1">
         <a:spcBef>
           <a:spcPct val="20000"/>
         </a:spcBef>
         <a:buFont typeface="Arial"/>
         <a:buChar char="–"/>
-        <a:defRPr sz="2000" kern="1200">
+        <a:defRPr sz="1900" kern="1200">
           <a:solidFill>
             <a:schemeClr val="tx1"/>
           </a:solidFill>
@@ -2903,13 +2903,13 @@
           <a:cs typeface="+mn-cs"/>
         </a:defRPr>
       </a:lvl4pPr>
-      <a:lvl5pPr marL="2057400" indent="-228600" algn="l" defTabSz="457200" rtl="0" eaLnBrk="1" latinLnBrk="0" hangingPunct="1">
+      <a:lvl5pPr marL="1951408" indent="-216823" algn="l" defTabSz="433646" rtl="0" eaLnBrk="1" latinLnBrk="0" hangingPunct="1">
         <a:spcBef>
           <a:spcPct val="20000"/>
         </a:spcBef>
         <a:buFont typeface="Arial"/>
         <a:buChar char="»"/>
-        <a:defRPr sz="2000" kern="1200">
+        <a:defRPr sz="1900" kern="1200">
           <a:solidFill>
             <a:schemeClr val="tx1"/>
           </a:solidFill>
@@ -2918,13 +2918,13 @@
           <a:cs typeface="+mn-cs"/>
         </a:defRPr>
       </a:lvl5pPr>
-      <a:lvl6pPr marL="2514600" indent="-228600" algn="l" defTabSz="457200" rtl="0" eaLnBrk="1" latinLnBrk="0" hangingPunct="1">
+      <a:lvl6pPr marL="2385054" indent="-216823" algn="l" defTabSz="433646" rtl="0" eaLnBrk="1" latinLnBrk="0" hangingPunct="1">
         <a:spcBef>
           <a:spcPct val="20000"/>
         </a:spcBef>
         <a:buFont typeface="Arial"/>
         <a:buChar char="•"/>
-        <a:defRPr sz="2000" kern="1200">
+        <a:defRPr sz="1900" kern="1200">
           <a:solidFill>
             <a:schemeClr val="tx1"/>
           </a:solidFill>
@@ -2933,13 +2933,13 @@
           <a:cs typeface="+mn-cs"/>
         </a:defRPr>
       </a:lvl6pPr>
-      <a:lvl7pPr marL="2971800" indent="-228600" algn="l" defTabSz="457200" rtl="0" eaLnBrk="1" latinLnBrk="0" hangingPunct="1">
+      <a:lvl7pPr marL="2818701" indent="-216823" algn="l" defTabSz="433646" rtl="0" eaLnBrk="1" latinLnBrk="0" hangingPunct="1">
         <a:spcBef>
           <a:spcPct val="20000"/>
         </a:spcBef>
         <a:buFont typeface="Arial"/>
         <a:buChar char="•"/>
-        <a:defRPr sz="2000" kern="1200">
+        <a:defRPr sz="1900" kern="1200">
           <a:solidFill>
             <a:schemeClr val="tx1"/>
           </a:solidFill>
@@ -2948,13 +2948,13 @@
           <a:cs typeface="+mn-cs"/>
         </a:defRPr>
       </a:lvl7pPr>
-      <a:lvl8pPr marL="3429000" indent="-228600" algn="l" defTabSz="457200" rtl="0" eaLnBrk="1" latinLnBrk="0" hangingPunct="1">
+      <a:lvl8pPr marL="3252347" indent="-216823" algn="l" defTabSz="433646" rtl="0" eaLnBrk="1" latinLnBrk="0" hangingPunct="1">
         <a:spcBef>
           <a:spcPct val="20000"/>
         </a:spcBef>
         <a:buFont typeface="Arial"/>
         <a:buChar char="•"/>
-        <a:defRPr sz="2000" kern="1200">
+        <a:defRPr sz="1900" kern="1200">
           <a:solidFill>
             <a:schemeClr val="tx1"/>
           </a:solidFill>
@@ -2963,13 +2963,13 @@
           <a:cs typeface="+mn-cs"/>
         </a:defRPr>
       </a:lvl8pPr>
-      <a:lvl9pPr marL="3886200" indent="-228600" algn="l" defTabSz="457200" rtl="0" eaLnBrk="1" latinLnBrk="0" hangingPunct="1">
+      <a:lvl9pPr marL="3685993" indent="-216823" algn="l" defTabSz="433646" rtl="0" eaLnBrk="1" latinLnBrk="0" hangingPunct="1">
         <a:spcBef>
           <a:spcPct val="20000"/>
         </a:spcBef>
         <a:buFont typeface="Arial"/>
         <a:buChar char="•"/>
-        <a:defRPr sz="2000" kern="1200">
+        <a:defRPr sz="1900" kern="1200">
           <a:solidFill>
             <a:schemeClr val="tx1"/>
           </a:solidFill>
@@ -2983,8 +2983,8 @@
       <a:defPPr>
         <a:defRPr lang="en-US"/>
       </a:defPPr>
-      <a:lvl1pPr marL="0" algn="l" defTabSz="457200" rtl="0" eaLnBrk="1" latinLnBrk="0" hangingPunct="1">
-        <a:defRPr sz="1800" kern="1200">
+      <a:lvl1pPr marL="0" algn="l" defTabSz="433646" rtl="0" eaLnBrk="1" latinLnBrk="0" hangingPunct="1">
+        <a:defRPr sz="1700" kern="1200">
           <a:solidFill>
             <a:schemeClr val="tx1"/>
           </a:solidFill>
@@ -2993,8 +2993,8 @@
           <a:cs typeface="+mn-cs"/>
         </a:defRPr>
       </a:lvl1pPr>
-      <a:lvl2pPr marL="457200" algn="l" defTabSz="457200" rtl="0" eaLnBrk="1" latinLnBrk="0" hangingPunct="1">
-        <a:defRPr sz="1800" kern="1200">
+      <a:lvl2pPr marL="433646" algn="l" defTabSz="433646" rtl="0" eaLnBrk="1" latinLnBrk="0" hangingPunct="1">
+        <a:defRPr sz="1700" kern="1200">
           <a:solidFill>
             <a:schemeClr val="tx1"/>
           </a:solidFill>
@@ -3003,8 +3003,8 @@
           <a:cs typeface="+mn-cs"/>
         </a:defRPr>
       </a:lvl2pPr>
-      <a:lvl3pPr marL="914400" algn="l" defTabSz="457200" rtl="0" eaLnBrk="1" latinLnBrk="0" hangingPunct="1">
-        <a:defRPr sz="1800" kern="1200">
+      <a:lvl3pPr marL="867292" algn="l" defTabSz="433646" rtl="0" eaLnBrk="1" latinLnBrk="0" hangingPunct="1">
+        <a:defRPr sz="1700" kern="1200">
           <a:solidFill>
             <a:schemeClr val="tx1"/>
           </a:solidFill>
@@ -3013,8 +3013,8 @@
           <a:cs typeface="+mn-cs"/>
         </a:defRPr>
       </a:lvl3pPr>
-      <a:lvl4pPr marL="1371600" algn="l" defTabSz="457200" rtl="0" eaLnBrk="1" latinLnBrk="0" hangingPunct="1">
-        <a:defRPr sz="1800" kern="1200">
+      <a:lvl4pPr marL="1300939" algn="l" defTabSz="433646" rtl="0" eaLnBrk="1" latinLnBrk="0" hangingPunct="1">
+        <a:defRPr sz="1700" kern="1200">
           <a:solidFill>
             <a:schemeClr val="tx1"/>
           </a:solidFill>
@@ -3023,8 +3023,8 @@
           <a:cs typeface="+mn-cs"/>
         </a:defRPr>
       </a:lvl4pPr>
-      <a:lvl5pPr marL="1828800" algn="l" defTabSz="457200" rtl="0" eaLnBrk="1" latinLnBrk="0" hangingPunct="1">
-        <a:defRPr sz="1800" kern="1200">
+      <a:lvl5pPr marL="1734585" algn="l" defTabSz="433646" rtl="0" eaLnBrk="1" latinLnBrk="0" hangingPunct="1">
+        <a:defRPr sz="1700" kern="1200">
           <a:solidFill>
             <a:schemeClr val="tx1"/>
           </a:solidFill>
@@ -3033,8 +3033,8 @@
           <a:cs typeface="+mn-cs"/>
         </a:defRPr>
       </a:lvl5pPr>
-      <a:lvl6pPr marL="2286000" algn="l" defTabSz="457200" rtl="0" eaLnBrk="1" latinLnBrk="0" hangingPunct="1">
-        <a:defRPr sz="1800" kern="1200">
+      <a:lvl6pPr marL="2168231" algn="l" defTabSz="433646" rtl="0" eaLnBrk="1" latinLnBrk="0" hangingPunct="1">
+        <a:defRPr sz="1700" kern="1200">
           <a:solidFill>
             <a:schemeClr val="tx1"/>
           </a:solidFill>
@@ -3043,8 +3043,8 @@
           <a:cs typeface="+mn-cs"/>
         </a:defRPr>
       </a:lvl6pPr>
-      <a:lvl7pPr marL="2743200" algn="l" defTabSz="457200" rtl="0" eaLnBrk="1" latinLnBrk="0" hangingPunct="1">
-        <a:defRPr sz="1800" kern="1200">
+      <a:lvl7pPr marL="2601877" algn="l" defTabSz="433646" rtl="0" eaLnBrk="1" latinLnBrk="0" hangingPunct="1">
+        <a:defRPr sz="1700" kern="1200">
           <a:solidFill>
             <a:schemeClr val="tx1"/>
           </a:solidFill>
@@ -3053,8 +3053,8 @@
           <a:cs typeface="+mn-cs"/>
         </a:defRPr>
       </a:lvl7pPr>
-      <a:lvl8pPr marL="3200400" algn="l" defTabSz="457200" rtl="0" eaLnBrk="1" latinLnBrk="0" hangingPunct="1">
-        <a:defRPr sz="1800" kern="1200">
+      <a:lvl8pPr marL="3035524" algn="l" defTabSz="433646" rtl="0" eaLnBrk="1" latinLnBrk="0" hangingPunct="1">
+        <a:defRPr sz="1700" kern="1200">
           <a:solidFill>
             <a:schemeClr val="tx1"/>
           </a:solidFill>
@@ -3063,8 +3063,8 @@
           <a:cs typeface="+mn-cs"/>
         </a:defRPr>
       </a:lvl8pPr>
-      <a:lvl9pPr marL="3657600" algn="l" defTabSz="457200" rtl="0" eaLnBrk="1" latinLnBrk="0" hangingPunct="1">
-        <a:defRPr sz="1800" kern="1200">
+      <a:lvl9pPr marL="3469170" algn="l" defTabSz="433646" rtl="0" eaLnBrk="1" latinLnBrk="0" hangingPunct="1">
+        <a:defRPr sz="1700" kern="1200">
           <a:solidFill>
             <a:schemeClr val="tx1"/>
           </a:solidFill>
@@ -3097,7 +3097,7 @@
       </p:grpSpPr>
       <p:pic>
         <p:nvPicPr>
-          <p:cNvPr id="4" name="Picture 3" descr="tmp2.png"/>
+          <p:cNvPr id="100" name="Picture 99" descr="tmp2.png"/>
           <p:cNvPicPr>
             <a:picLocks noChangeAspect="1"/>
           </p:cNvPicPr>
@@ -3111,7 +3111,7 @@
         </p:blipFill>
         <p:spPr>
           <a:xfrm>
-            <a:off x="0" y="210972"/>
+            <a:off x="0" y="24471"/>
             <a:ext cx="1072187" cy="1073259"/>
           </a:xfrm>
           <a:prstGeom prst="rect">
@@ -3121,7 +3121,7 @@
       </p:pic>
       <p:pic>
         <p:nvPicPr>
-          <p:cNvPr id="5" name="Picture 4" descr="tmp3.png"/>
+          <p:cNvPr id="101" name="Picture 100" descr="tmp3.png"/>
           <p:cNvPicPr>
             <a:picLocks noChangeAspect="1"/>
           </p:cNvPicPr>
@@ -3135,7 +3135,7 @@
         </p:blipFill>
         <p:spPr>
           <a:xfrm>
-            <a:off x="1058295" y="210972"/>
+            <a:off x="1058295" y="24471"/>
             <a:ext cx="1096184" cy="1097280"/>
           </a:xfrm>
           <a:prstGeom prst="rect">
@@ -3145,7 +3145,7 @@
       </p:pic>
       <p:pic>
         <p:nvPicPr>
-          <p:cNvPr id="6" name="Picture 5" descr="tmp4.png"/>
+          <p:cNvPr id="102" name="Picture 101" descr="tmp4.png"/>
           <p:cNvPicPr>
             <a:picLocks noChangeAspect="1"/>
           </p:cNvPicPr>
@@ -3159,7 +3159,7 @@
         </p:blipFill>
         <p:spPr>
           <a:xfrm>
-            <a:off x="2159568" y="54081"/>
+            <a:off x="2159568" y="-132420"/>
             <a:ext cx="1378527" cy="1379904"/>
           </a:xfrm>
           <a:prstGeom prst="rect">
@@ -3169,7 +3169,7 @@
       </p:pic>
       <p:pic>
         <p:nvPicPr>
-          <p:cNvPr id="7" name="Picture 6" descr="tmp5.png"/>
+          <p:cNvPr id="103" name="Picture 102" descr="tmp5.png"/>
           <p:cNvPicPr>
             <a:picLocks noChangeAspect="1"/>
           </p:cNvPicPr>
@@ -3183,7 +3183,7 @@
         </p:blipFill>
         <p:spPr>
           <a:xfrm>
-            <a:off x="3449242" y="210973"/>
+            <a:off x="3449242" y="24472"/>
             <a:ext cx="1187533" cy="1188720"/>
           </a:xfrm>
           <a:prstGeom prst="rect">
@@ -3193,7 +3193,7 @@
       </p:pic>
       <p:pic>
         <p:nvPicPr>
-          <p:cNvPr id="8" name="Picture 7" descr="tmp6.png"/>
+          <p:cNvPr id="104" name="Picture 103" descr="tmp6.png"/>
           <p:cNvPicPr>
             <a:picLocks noChangeAspect="1"/>
           </p:cNvPicPr>
@@ -3207,7 +3207,7 @@
         </p:blipFill>
         <p:spPr>
           <a:xfrm>
-            <a:off x="4585169" y="210972"/>
+            <a:off x="4585169" y="24471"/>
             <a:ext cx="1072187" cy="1073259"/>
           </a:xfrm>
           <a:prstGeom prst="rect">
@@ -3217,7 +3217,7 @@
       </p:pic>
       <p:pic>
         <p:nvPicPr>
-          <p:cNvPr id="9" name="Picture 8" descr="tmp7.png"/>
+          <p:cNvPr id="105" name="Picture 104" descr="tmp7.png"/>
           <p:cNvPicPr>
             <a:picLocks noChangeAspect="1"/>
           </p:cNvPicPr>
@@ -3231,7 +3231,7 @@
         </p:blipFill>
         <p:spPr>
           <a:xfrm>
-            <a:off x="5962873" y="302412"/>
+            <a:off x="5962873" y="115911"/>
             <a:ext cx="995601" cy="996597"/>
           </a:xfrm>
           <a:prstGeom prst="rect">
@@ -3241,7 +3241,7 @@
       </p:pic>
       <p:pic>
         <p:nvPicPr>
-          <p:cNvPr id="10" name="Picture 9" descr="tmp8.png"/>
+          <p:cNvPr id="106" name="Picture 105" descr="tmp8.png"/>
           <p:cNvPicPr>
             <a:picLocks noChangeAspect="1"/>
           </p:cNvPicPr>
@@ -3255,7 +3255,7 @@
         </p:blipFill>
         <p:spPr>
           <a:xfrm>
-            <a:off x="47652" y="2086829"/>
+            <a:off x="47652" y="1775994"/>
             <a:ext cx="1096184" cy="1097280"/>
           </a:xfrm>
           <a:prstGeom prst="rect">
@@ -3265,7 +3265,7 @@
       </p:pic>
       <p:pic>
         <p:nvPicPr>
-          <p:cNvPr id="11" name="Picture 10" descr="tmp9.png"/>
+          <p:cNvPr id="107" name="Picture 106" descr="tmp9.png"/>
           <p:cNvPicPr>
             <a:picLocks noChangeAspect="1"/>
           </p:cNvPicPr>
@@ -3279,7 +3279,7 @@
         </p:blipFill>
         <p:spPr>
           <a:xfrm>
-            <a:off x="1325108" y="2014700"/>
+            <a:off x="1325108" y="1703865"/>
             <a:ext cx="1180506" cy="1181686"/>
           </a:xfrm>
           <a:prstGeom prst="rect">
@@ -3289,7 +3289,7 @@
       </p:pic>
       <p:pic>
         <p:nvPicPr>
-          <p:cNvPr id="12" name="Picture 11" descr="tmp10.png"/>
+          <p:cNvPr id="108" name="Picture 107" descr="tmp10.png"/>
           <p:cNvPicPr>
             <a:picLocks noChangeAspect="1"/>
           </p:cNvPicPr>
@@ -3303,7 +3303,7 @@
         </p:blipFill>
         <p:spPr>
           <a:xfrm>
-            <a:off x="2793029" y="2099106"/>
+            <a:off x="2793029" y="1788271"/>
             <a:ext cx="1096184" cy="1097280"/>
           </a:xfrm>
           <a:prstGeom prst="rect">
@@ -3313,7 +3313,7 @@
       </p:pic>
       <p:pic>
         <p:nvPicPr>
-          <p:cNvPr id="13" name="Picture 12" descr="tmp11.png"/>
+          <p:cNvPr id="109" name="Picture 108" descr="tmp11.png"/>
           <p:cNvPicPr>
             <a:picLocks noChangeAspect="1"/>
           </p:cNvPicPr>
@@ -3327,7 +3327,7 @@
         </p:blipFill>
         <p:spPr>
           <a:xfrm>
-            <a:off x="4027672" y="1918894"/>
+            <a:off x="4027672" y="1608059"/>
             <a:ext cx="1433472" cy="1434905"/>
           </a:xfrm>
           <a:prstGeom prst="rect">
@@ -3337,7 +3337,7 @@
       </p:pic>
       <p:pic>
         <p:nvPicPr>
-          <p:cNvPr id="14" name="Picture 13" descr="tmp12.png"/>
+          <p:cNvPr id="110" name="Picture 109" descr="tmp12.png"/>
           <p:cNvPicPr>
             <a:picLocks noChangeAspect="1"/>
           </p:cNvPicPr>
@@ -3351,7 +3351,7 @@
         </p:blipFill>
         <p:spPr>
           <a:xfrm>
-            <a:off x="5684764" y="2099106"/>
+            <a:off x="5684764" y="1788271"/>
             <a:ext cx="1011862" cy="1012874"/>
           </a:xfrm>
           <a:prstGeom prst="rect">
@@ -3361,7 +3361,7 @@
       </p:pic>
       <p:pic>
         <p:nvPicPr>
-          <p:cNvPr id="15" name="Picture 14" descr="tmp13.png"/>
+          <p:cNvPr id="111" name="Picture 110" descr="tmp13.png"/>
           <p:cNvPicPr>
             <a:picLocks noChangeAspect="1"/>
           </p:cNvPicPr>
@@ -3375,7 +3375,7 @@
         </p:blipFill>
         <p:spPr>
           <a:xfrm>
-            <a:off x="39562" y="4036712"/>
+            <a:off x="39562" y="3592662"/>
             <a:ext cx="1004835" cy="1005840"/>
           </a:xfrm>
           <a:prstGeom prst="rect">
@@ -3385,7 +3385,7 @@
       </p:pic>
       <p:pic>
         <p:nvPicPr>
-          <p:cNvPr id="16" name="Picture 15" descr="tmp14.png"/>
+          <p:cNvPr id="112" name="Picture 111" descr="tmp14.png"/>
           <p:cNvPicPr>
             <a:picLocks noChangeAspect="1"/>
           </p:cNvPicPr>
@@ -3399,7 +3399,7 @@
         </p:blipFill>
         <p:spPr>
           <a:xfrm>
-            <a:off x="1118763" y="4027575"/>
+            <a:off x="1118763" y="3583525"/>
             <a:ext cx="913486" cy="914400"/>
           </a:xfrm>
           <a:prstGeom prst="rect">
@@ -3409,7 +3409,7 @@
       </p:pic>
       <p:pic>
         <p:nvPicPr>
-          <p:cNvPr id="17" name="Picture 16" descr="tmp15.png"/>
+          <p:cNvPr id="113" name="Picture 112" descr="tmp15.png"/>
           <p:cNvPicPr>
             <a:picLocks noChangeAspect="1"/>
           </p:cNvPicPr>
@@ -3423,7 +3423,7 @@
         </p:blipFill>
         <p:spPr>
           <a:xfrm>
-            <a:off x="2314482" y="4103178"/>
+            <a:off x="2314482" y="3659128"/>
             <a:ext cx="959160" cy="960119"/>
           </a:xfrm>
           <a:prstGeom prst="rect">
@@ -3433,7 +3433,7 @@
       </p:pic>
       <p:pic>
         <p:nvPicPr>
-          <p:cNvPr id="18" name="Picture 17" descr="tmp16.png"/>
+          <p:cNvPr id="114" name="Picture 113" descr="tmp16.png"/>
           <p:cNvPicPr>
             <a:picLocks noChangeAspect="1"/>
           </p:cNvPicPr>
@@ -3447,7 +3447,7 @@
         </p:blipFill>
         <p:spPr>
           <a:xfrm>
-            <a:off x="3597540" y="4027575"/>
+            <a:off x="3597540" y="3583525"/>
             <a:ext cx="959160" cy="960119"/>
           </a:xfrm>
           <a:prstGeom prst="rect">
@@ -3457,7 +3457,7 @@
       </p:pic>
       <p:pic>
         <p:nvPicPr>
-          <p:cNvPr id="19" name="Picture 18" descr="tmp17.png"/>
+          <p:cNvPr id="115" name="Picture 114" descr="tmp17.png"/>
           <p:cNvPicPr>
             <a:picLocks noChangeAspect="1"/>
           </p:cNvPicPr>
@@ -3471,7 +3471,7 @@
         </p:blipFill>
         <p:spPr>
           <a:xfrm>
-            <a:off x="4777840" y="4027575"/>
+            <a:off x="4777840" y="3583525"/>
             <a:ext cx="1096184" cy="1097280"/>
           </a:xfrm>
           <a:prstGeom prst="rect">
@@ -3481,7 +3481,7 @@
       </p:pic>
       <p:pic>
         <p:nvPicPr>
-          <p:cNvPr id="20" name="Picture 19" descr="tmp18.png"/>
+          <p:cNvPr id="116" name="Picture 115" descr="tmp18.png"/>
           <p:cNvPicPr>
             <a:picLocks noChangeAspect="1"/>
           </p:cNvPicPr>
@@ -3495,7 +3495,7 @@
         </p:blipFill>
         <p:spPr>
           <a:xfrm>
-            <a:off x="5657922" y="3844533"/>
+            <a:off x="5657922" y="3400483"/>
             <a:ext cx="1461579" cy="1463040"/>
           </a:xfrm>
           <a:prstGeom prst="rect">
@@ -3505,7 +3505,7 @@
       </p:pic>
       <p:pic>
         <p:nvPicPr>
-          <p:cNvPr id="21" name="Picture 20" descr="tmp19.png"/>
+          <p:cNvPr id="117" name="Picture 116" descr="tmp19.png"/>
           <p:cNvPicPr>
             <a:picLocks noChangeAspect="1"/>
           </p:cNvPicPr>
@@ -3519,7 +3519,7 @@
         </p:blipFill>
         <p:spPr>
           <a:xfrm>
-            <a:off x="455708" y="5361280"/>
+            <a:off x="455708" y="4828420"/>
             <a:ext cx="2103120" cy="2105224"/>
           </a:xfrm>
           <a:prstGeom prst="rect">
@@ -3529,7 +3529,7 @@
       </p:pic>
       <p:pic>
         <p:nvPicPr>
-          <p:cNvPr id="22" name="Picture 21" descr="tmp20.png"/>
+          <p:cNvPr id="118" name="Picture 117" descr="tmp20.png"/>
           <p:cNvPicPr>
             <a:picLocks noChangeAspect="1"/>
           </p:cNvPicPr>
@@ -3543,7 +3543,7 @@
         </p:blipFill>
         <p:spPr>
           <a:xfrm>
-            <a:off x="2558828" y="5637704"/>
+            <a:off x="2558828" y="5104844"/>
             <a:ext cx="1826973" cy="1828800"/>
           </a:xfrm>
           <a:prstGeom prst="rect">
@@ -3553,7 +3553,7 @@
       </p:pic>
       <p:pic>
         <p:nvPicPr>
-          <p:cNvPr id="23" name="Picture 22" descr="tmp21.png"/>
+          <p:cNvPr id="119" name="Picture 118" descr="tmp21.png"/>
           <p:cNvPicPr>
             <a:picLocks noChangeAspect="1"/>
           </p:cNvPicPr>
@@ -3567,7 +3567,7 @@
         </p:blipFill>
         <p:spPr>
           <a:xfrm>
-            <a:off x="4385801" y="5512505"/>
+            <a:off x="4385801" y="4979645"/>
             <a:ext cx="1826973" cy="1828800"/>
           </a:xfrm>
           <a:prstGeom prst="rect">
@@ -3577,7 +3577,7 @@
       </p:pic>
       <p:pic>
         <p:nvPicPr>
-          <p:cNvPr id="24" name="Picture 23" descr="tmp22.png"/>
+          <p:cNvPr id="120" name="Picture 119" descr="tmp22.png"/>
           <p:cNvPicPr>
             <a:picLocks noChangeAspect="1"/>
           </p:cNvPicPr>
@@ -3591,7 +3591,7 @@
         </p:blipFill>
         <p:spPr>
           <a:xfrm>
-            <a:off x="330527" y="7489854"/>
+            <a:off x="330527" y="6770493"/>
             <a:ext cx="1278881" cy="1280160"/>
           </a:xfrm>
           <a:prstGeom prst="rect">
@@ -3601,7 +3601,7 @@
       </p:pic>
       <p:pic>
         <p:nvPicPr>
-          <p:cNvPr id="25" name="Picture 24" descr="tmp23.png"/>
+          <p:cNvPr id="121" name="Picture 120" descr="tmp23.png"/>
           <p:cNvPicPr>
             <a:picLocks noChangeAspect="1"/>
           </p:cNvPicPr>
@@ -3615,7 +3615,7 @@
         </p:blipFill>
         <p:spPr>
           <a:xfrm>
-            <a:off x="1948129" y="7763808"/>
+            <a:off x="1948129" y="7044447"/>
             <a:ext cx="731520" cy="732252"/>
           </a:xfrm>
           <a:prstGeom prst="rect">
@@ -3625,7 +3625,7 @@
       </p:pic>
       <p:pic>
         <p:nvPicPr>
-          <p:cNvPr id="26" name="Picture 25" descr="tmp24.png"/>
+          <p:cNvPr id="122" name="Picture 121" descr="tmp24.png"/>
           <p:cNvPicPr>
             <a:picLocks noChangeAspect="1"/>
           </p:cNvPicPr>
@@ -3639,7 +3639,7 @@
         </p:blipFill>
         <p:spPr>
           <a:xfrm>
-            <a:off x="2945478" y="7168855"/>
+            <a:off x="2945478" y="6449494"/>
             <a:ext cx="1920239" cy="1922159"/>
           </a:xfrm>
           <a:prstGeom prst="rect">
@@ -3649,7 +3649,7 @@
       </p:pic>
       <p:pic>
         <p:nvPicPr>
-          <p:cNvPr id="27" name="Picture 26" descr="tmp25.png"/>
+          <p:cNvPr id="123" name="Picture 122" descr="tmp25.png"/>
           <p:cNvPicPr>
             <a:picLocks noChangeAspect="1"/>
           </p:cNvPicPr>
@@ -3663,7 +3663,7 @@
         </p:blipFill>
         <p:spPr>
           <a:xfrm>
-            <a:off x="5138851" y="7489854"/>
+            <a:off x="5138851" y="6770493"/>
             <a:ext cx="1278882" cy="1280160"/>
           </a:xfrm>
           <a:prstGeom prst="rect">
@@ -3673,14 +3673,14 @@
       </p:pic>
       <p:sp>
         <p:nvSpPr>
-          <p:cNvPr id="28" name="TextBox 27"/>
+          <p:cNvPr id="124" name="TextBox 123"/>
           <p:cNvSpPr txBox="1"/>
           <p:nvPr/>
         </p:nvSpPr>
         <p:spPr>
           <a:xfrm>
-            <a:off x="-21314" y="1265339"/>
-            <a:ext cx="983412" cy="584776"/>
+            <a:off x="37771" y="1078838"/>
+            <a:ext cx="865241" cy="461665"/>
           </a:xfrm>
           <a:prstGeom prst="rect">
             <a:avLst/>
@@ -3702,23 +3702,12 @@
           <a:p>
             <a:pPr algn="ctr"/>
             <a:r>
+              <a:rPr lang="pt-BR" sz="800" dirty="0" smtClean="0"/>
+              <a:t>0.72 </a:t>
+            </a:r>
+            <a:r>
               <a:rPr lang="pt-BR" sz="800" dirty="0"/>
-              <a:t>C: 0.72 [0.51, 0.99</a:t>
-            </a:r>
-            <a:r>
-              <a:rPr lang="pt-BR" sz="800" dirty="0" smtClean="0"/>
-              <a:t>]</a:t>
-            </a:r>
-          </a:p>
-          <a:p>
-            <a:pPr algn="ctr"/>
-            <a:r>
-              <a:rPr lang="pt-BR" sz="800" dirty="0"/>
-              <a:t>H: 0.72 [0.51, 0.99]</a:t>
-            </a:r>
-            <a:r>
-              <a:rPr lang="pt-BR" sz="800" dirty="0"/>
-              <a:t> </a:t>
+              <a:t>[0.51, 0.99] </a:t>
             </a:r>
             <a:endParaRPr lang="pt-BR" sz="800" dirty="0" smtClean="0"/>
           </a:p>
@@ -3734,14 +3723,14 @@
       </p:sp>
       <p:sp>
         <p:nvSpPr>
-          <p:cNvPr id="29" name="TextBox 28"/>
+          <p:cNvPr id="125" name="TextBox 124"/>
           <p:cNvSpPr txBox="1"/>
           <p:nvPr/>
         </p:nvSpPr>
         <p:spPr>
           <a:xfrm>
-            <a:off x="1082662" y="1265339"/>
-            <a:ext cx="983412" cy="461665"/>
+            <a:off x="1141747" y="1078838"/>
+            <a:ext cx="865241" cy="338554"/>
           </a:xfrm>
           <a:prstGeom prst="rect">
             <a:avLst/>
@@ -3763,23 +3752,12 @@
           <a:p>
             <a:pPr algn="ctr"/>
             <a:r>
+              <a:rPr lang="pt-BR" sz="800" dirty="0" smtClean="0"/>
+              <a:t>1.01 </a:t>
+            </a:r>
+            <a:r>
               <a:rPr lang="pt-BR" sz="800" dirty="0"/>
-              <a:t>C: 1.01 [0.88, 1.15</a:t>
-            </a:r>
-            <a:r>
-              <a:rPr lang="pt-BR" sz="800" dirty="0" smtClean="0"/>
-              <a:t>]</a:t>
-            </a:r>
-          </a:p>
-          <a:p>
-            <a:pPr algn="ctr"/>
-            <a:r>
-              <a:rPr lang="pt-BR" sz="800" dirty="0"/>
-              <a:t>H: 1.01 [0.88, 1.15]</a:t>
-            </a:r>
-            <a:r>
-              <a:rPr lang="pt-BR" sz="800" dirty="0"/>
-              <a:t>   </a:t>
+              <a:t>[0.88, 1.15]   </a:t>
             </a:r>
             <a:endParaRPr lang="en-US" sz="800" b="1" dirty="0" smtClean="0"/>
           </a:p>
@@ -3787,14 +3765,14 @@
       </p:sp>
       <p:sp>
         <p:nvSpPr>
-          <p:cNvPr id="30" name="TextBox 29"/>
+          <p:cNvPr id="126" name="TextBox 125"/>
           <p:cNvSpPr txBox="1"/>
           <p:nvPr/>
         </p:nvSpPr>
         <p:spPr>
           <a:xfrm>
-            <a:off x="2312089" y="1265339"/>
-            <a:ext cx="970588" cy="461665"/>
+            <a:off x="2364762" y="1078838"/>
+            <a:ext cx="865241" cy="338554"/>
           </a:xfrm>
           <a:prstGeom prst="rect">
             <a:avLst/>
@@ -3816,27 +3794,12 @@
           <a:p>
             <a:pPr algn="ctr"/>
             <a:r>
+              <a:rPr lang="pt-BR" sz="800" dirty="0" smtClean="0"/>
+              <a:t>2.39 </a:t>
+            </a:r>
+            <a:r>
               <a:rPr lang="pt-BR" sz="800" dirty="0"/>
-              <a:t>C: 2.39 [</a:t>
-            </a:r>
-            <a:r>
-              <a:rPr lang="pt-BR" sz="800" dirty="0" smtClean="0"/>
-              <a:t>1.80, </a:t>
-            </a:r>
-            <a:r>
-              <a:rPr lang="pt-BR" sz="800" dirty="0"/>
-              <a:t>3.02</a:t>
-            </a:r>
-            <a:r>
-              <a:rPr lang="pt-BR" sz="800" dirty="0" smtClean="0"/>
-              <a:t>]</a:t>
-            </a:r>
-          </a:p>
-          <a:p>
-            <a:pPr algn="ctr"/>
-            <a:r>
-              <a:rPr lang="pt-BR" sz="800" dirty="0"/>
-              <a:t>H: 2.39 [1.78, </a:t>
+              <a:t>[1.78, </a:t>
             </a:r>
             <a:r>
               <a:rPr lang="pt-BR" sz="800" dirty="0" smtClean="0"/>
@@ -3848,14 +3811,14 @@
       </p:sp>
       <p:sp>
         <p:nvSpPr>
-          <p:cNvPr id="31" name="TextBox 30"/>
+          <p:cNvPr id="127" name="TextBox 126"/>
           <p:cNvSpPr txBox="1"/>
           <p:nvPr/>
         </p:nvSpPr>
         <p:spPr>
           <a:xfrm>
-            <a:off x="3587773" y="1265339"/>
-            <a:ext cx="983412" cy="461665"/>
+            <a:off x="3646858" y="1078838"/>
+            <a:ext cx="865241" cy="338554"/>
           </a:xfrm>
           <a:prstGeom prst="rect">
             <a:avLst/>
@@ -3877,23 +3840,12 @@
           <a:p>
             <a:pPr algn="ctr"/>
             <a:r>
+              <a:rPr lang="pt-BR" sz="800" dirty="0" smtClean="0"/>
+              <a:t>0.98 </a:t>
+            </a:r>
+            <a:r>
               <a:rPr lang="pt-BR" sz="800" dirty="0"/>
-              <a:t>C: 0.98 [0.82, 1.16</a:t>
-            </a:r>
-            <a:r>
-              <a:rPr lang="pt-BR" sz="800" dirty="0" smtClean="0"/>
-              <a:t>]</a:t>
-            </a:r>
-          </a:p>
-          <a:p>
-            <a:pPr algn="ctr"/>
-            <a:r>
-              <a:rPr lang="pt-BR" sz="800" dirty="0"/>
-              <a:t>H: 0.98 [0.81, 1.15]</a:t>
-            </a:r>
-            <a:r>
-              <a:rPr lang="pt-BR" sz="800" dirty="0"/>
-              <a:t>  </a:t>
+              <a:t>[0.81, 1.15]  </a:t>
             </a:r>
             <a:endParaRPr lang="en-US" sz="800" dirty="0"/>
           </a:p>
@@ -3901,14 +3853,14 @@
       </p:sp>
       <p:sp>
         <p:nvSpPr>
-          <p:cNvPr id="32" name="TextBox 31"/>
+          <p:cNvPr id="128" name="TextBox 127"/>
           <p:cNvSpPr txBox="1"/>
           <p:nvPr/>
         </p:nvSpPr>
         <p:spPr>
           <a:xfrm>
-            <a:off x="4733333" y="1265339"/>
-            <a:ext cx="983412" cy="461665"/>
+            <a:off x="4792418" y="1078838"/>
+            <a:ext cx="865241" cy="338554"/>
           </a:xfrm>
           <a:prstGeom prst="rect">
             <a:avLst/>
@@ -3930,23 +3882,12 @@
           <a:p>
             <a:pPr algn="ctr"/>
             <a:r>
+              <a:rPr lang="pt-BR" sz="800" dirty="0" smtClean="0"/>
+              <a:t>1.59 </a:t>
+            </a:r>
+            <a:r>
               <a:rPr lang="pt-BR" sz="800" dirty="0"/>
-              <a:t>C: 1.59 [1.25, 1.94</a:t>
-            </a:r>
-            <a:r>
-              <a:rPr lang="pt-BR" sz="800" dirty="0" smtClean="0"/>
-              <a:t>]</a:t>
-            </a:r>
-          </a:p>
-          <a:p>
-            <a:pPr algn="ctr"/>
-            <a:r>
-              <a:rPr lang="pt-BR" sz="800" dirty="0"/>
-              <a:t>H: 1.59 [1.24, 1.93]</a:t>
-            </a:r>
-            <a:r>
-              <a:rPr lang="pt-BR" sz="800" dirty="0"/>
-              <a:t>  </a:t>
+              <a:t>[1.24, 1.93]  </a:t>
             </a:r>
             <a:endParaRPr lang="en-US" sz="800" dirty="0"/>
           </a:p>
@@ -3954,14 +3895,14 @@
       </p:sp>
       <p:sp>
         <p:nvSpPr>
-          <p:cNvPr id="33" name="TextBox 32"/>
+          <p:cNvPr id="129" name="TextBox 128"/>
           <p:cNvSpPr txBox="1"/>
           <p:nvPr/>
         </p:nvSpPr>
         <p:spPr>
           <a:xfrm>
-            <a:off x="5952474" y="1265339"/>
-            <a:ext cx="983412" cy="584776"/>
+            <a:off x="6011559" y="1078838"/>
+            <a:ext cx="865241" cy="461665"/>
           </a:xfrm>
           <a:prstGeom prst="rect">
             <a:avLst/>
@@ -3983,23 +3924,12 @@
           <a:p>
             <a:pPr algn="ctr"/>
             <a:r>
+              <a:rPr lang="pt-BR" sz="800" dirty="0" smtClean="0"/>
+              <a:t>2.03 </a:t>
+            </a:r>
+            <a:r>
               <a:rPr lang="pt-BR" sz="800" dirty="0"/>
-              <a:t>C: 1.67 [1.41, 1.95</a:t>
-            </a:r>
-            <a:r>
-              <a:rPr lang="pt-BR" sz="800" dirty="0" smtClean="0"/>
-              <a:t>]</a:t>
-            </a:r>
-          </a:p>
-          <a:p>
-            <a:pPr algn="ctr"/>
-            <a:r>
-              <a:rPr lang="pt-BR" sz="800" dirty="0"/>
-              <a:t>H: 2.03 [1.65, 2.47]</a:t>
-            </a:r>
-            <a:r>
-              <a:rPr lang="pt-BR" sz="800" dirty="0"/>
-              <a:t>  </a:t>
+              <a:t>[1.65, 2.47]  </a:t>
             </a:r>
             <a:endParaRPr lang="en-US" sz="800" dirty="0" smtClean="0"/>
           </a:p>
@@ -4011,14 +3941,14 @@
       </p:sp>
       <p:sp>
         <p:nvSpPr>
-          <p:cNvPr id="34" name="TextBox 33"/>
+          <p:cNvPr id="130" name="TextBox 129"/>
           <p:cNvSpPr txBox="1"/>
           <p:nvPr/>
         </p:nvSpPr>
         <p:spPr>
           <a:xfrm>
-            <a:off x="139772" y="3175602"/>
-            <a:ext cx="983412" cy="584776"/>
+            <a:off x="198857" y="2864767"/>
+            <a:ext cx="865241" cy="461665"/>
           </a:xfrm>
           <a:prstGeom prst="rect">
             <a:avLst/>
@@ -4036,28 +3966,20 @@
               <a:rPr lang="en-US" sz="800" b="1" dirty="0" smtClean="0"/>
               <a:t>SM07</a:t>
             </a:r>
-          </a:p>
-          <a:p>
-            <a:pPr algn="ctr"/>
+            <a:r>
+              <a:rPr lang="pt-BR" sz="800" dirty="0" smtClean="0"/>
+              <a:t> </a:t>
+            </a:r>
+          </a:p>
+          <a:p>
+            <a:pPr algn="ctr"/>
+            <a:r>
+              <a:rPr lang="pt-BR" sz="800" dirty="0" smtClean="0"/>
+              <a:t>1.51 </a:t>
+            </a:r>
             <a:r>
               <a:rPr lang="pt-BR" sz="800" dirty="0"/>
-              <a:t>C: 1.51 [1.12, 1.94]</a:t>
-            </a:r>
-            <a:r>
-              <a:rPr lang="pt-BR" sz="800" dirty="0"/>
-              <a:t> </a:t>
-            </a:r>
-            <a:endParaRPr lang="pt-BR" sz="800" dirty="0" smtClean="0"/>
-          </a:p>
-          <a:p>
-            <a:pPr algn="ctr"/>
-            <a:r>
-              <a:rPr lang="pt-BR" sz="800" dirty="0"/>
-              <a:t>H: 1.51 [1.11, 1.94]</a:t>
-            </a:r>
-            <a:r>
-              <a:rPr lang="pt-BR" sz="800" dirty="0"/>
-              <a:t> </a:t>
+              <a:t>[1.11, 1.94] </a:t>
             </a:r>
             <a:endParaRPr lang="en-US" sz="800" dirty="0" smtClean="0"/>
           </a:p>
@@ -4069,14 +3991,14 @@
       </p:sp>
       <p:sp>
         <p:nvSpPr>
-          <p:cNvPr id="35" name="TextBox 34"/>
+          <p:cNvPr id="131" name="TextBox 130"/>
           <p:cNvSpPr txBox="1"/>
           <p:nvPr/>
         </p:nvSpPr>
         <p:spPr>
           <a:xfrm>
-            <a:off x="1394113" y="3175602"/>
-            <a:ext cx="983412" cy="584776"/>
+            <a:off x="1453198" y="2864767"/>
+            <a:ext cx="865241" cy="461665"/>
           </a:xfrm>
           <a:prstGeom prst="rect">
             <a:avLst/>
@@ -4098,23 +4020,12 @@
           <a:p>
             <a:pPr algn="ctr"/>
             <a:r>
+              <a:rPr lang="pt-BR" sz="800" dirty="0" smtClean="0"/>
+              <a:t>0.87 </a:t>
+            </a:r>
+            <a:r>
               <a:rPr lang="pt-BR" sz="800" dirty="0"/>
-              <a:t>C: 0.87 [0.63, 1.13</a:t>
-            </a:r>
-            <a:r>
-              <a:rPr lang="pt-BR" sz="800" dirty="0" smtClean="0"/>
-              <a:t>]</a:t>
-            </a:r>
-          </a:p>
-          <a:p>
-            <a:pPr algn="ctr"/>
-            <a:r>
-              <a:rPr lang="pt-BR" sz="800" dirty="0"/>
-              <a:t>H: 0.87 [0.62, 1.15]</a:t>
-            </a:r>
-            <a:r>
-              <a:rPr lang="pt-BR" sz="800" dirty="0"/>
-              <a:t>  </a:t>
+              <a:t>[0.62, 1.15]  </a:t>
             </a:r>
             <a:endParaRPr lang="en-US" sz="800" dirty="0" smtClean="0"/>
           </a:p>
@@ -4126,14 +4037,14 @@
       </p:sp>
       <p:sp>
         <p:nvSpPr>
-          <p:cNvPr id="36" name="TextBox 35"/>
+          <p:cNvPr id="132" name="TextBox 131"/>
           <p:cNvSpPr txBox="1"/>
           <p:nvPr/>
         </p:nvSpPr>
         <p:spPr>
           <a:xfrm>
-            <a:off x="2803241" y="3175602"/>
-            <a:ext cx="983412" cy="461665"/>
+            <a:off x="2862326" y="2864767"/>
+            <a:ext cx="865241" cy="338554"/>
           </a:xfrm>
           <a:prstGeom prst="rect">
             <a:avLst/>
@@ -4155,23 +4066,12 @@
           <a:p>
             <a:pPr algn="ctr"/>
             <a:r>
+              <a:rPr lang="pt-BR" sz="800" dirty="0" smtClean="0"/>
+              <a:t>1.06 </a:t>
+            </a:r>
+            <a:r>
               <a:rPr lang="pt-BR" sz="800" dirty="0"/>
-              <a:t>C: 1.06 [0.87, 1.26</a:t>
-            </a:r>
-            <a:r>
-              <a:rPr lang="pt-BR" sz="800" dirty="0" smtClean="0"/>
-              <a:t>]</a:t>
-            </a:r>
-          </a:p>
-          <a:p>
-            <a:pPr algn="ctr"/>
-            <a:r>
-              <a:rPr lang="pt-BR" sz="800" dirty="0"/>
-              <a:t>H: 1.06 [0.87, 1.26]</a:t>
-            </a:r>
-            <a:r>
-              <a:rPr lang="pt-BR" sz="800" dirty="0"/>
-              <a:t>  </a:t>
+              <a:t>[0.87, 1.26]  </a:t>
             </a:r>
             <a:endParaRPr lang="en-US" sz="800" dirty="0" smtClean="0"/>
           </a:p>
@@ -4179,14 +4079,14 @@
       </p:sp>
       <p:sp>
         <p:nvSpPr>
-          <p:cNvPr id="37" name="TextBox 36"/>
+          <p:cNvPr id="133" name="TextBox 132"/>
           <p:cNvSpPr txBox="1"/>
           <p:nvPr/>
         </p:nvSpPr>
         <p:spPr>
           <a:xfrm>
-            <a:off x="4324661" y="3175602"/>
-            <a:ext cx="970588" cy="461665"/>
+            <a:off x="4377334" y="2864767"/>
+            <a:ext cx="865241" cy="338554"/>
           </a:xfrm>
           <a:prstGeom prst="rect">
             <a:avLst/>
@@ -4209,22 +4109,11 @@
             <a:pPr algn="ctr"/>
             <a:r>
               <a:rPr lang="pt-BR" sz="800" dirty="0" smtClean="0"/>
-              <a:t>C</a:t>
+              <a:t>2.24 </a:t>
             </a:r>
             <a:r>
               <a:rPr lang="pt-BR" sz="800" dirty="0"/>
-              <a:t>: 2.24 [1.61, </a:t>
-            </a:r>
-            <a:r>
-              <a:rPr lang="pt-BR" sz="800" dirty="0" smtClean="0"/>
-              <a:t>2.90]</a:t>
-            </a:r>
-          </a:p>
-          <a:p>
-            <a:pPr algn="ctr"/>
-            <a:r>
-              <a:rPr lang="pt-BR" sz="800" dirty="0"/>
-              <a:t>H: 2.24 [</a:t>
+              <a:t>[</a:t>
             </a:r>
             <a:r>
               <a:rPr lang="pt-BR" sz="800" dirty="0" smtClean="0"/>
@@ -4232,11 +4121,7 @@
             </a:r>
             <a:r>
               <a:rPr lang="pt-BR" sz="800" dirty="0"/>
-              <a:t>2.93]</a:t>
-            </a:r>
-            <a:r>
-              <a:rPr lang="pt-BR" sz="800" dirty="0"/>
-              <a:t>  </a:t>
+              <a:t>2.93]  </a:t>
             </a:r>
             <a:endParaRPr lang="en-US" sz="800" b="1" dirty="0" smtClean="0"/>
           </a:p>
@@ -4244,14 +4129,14 @@
       </p:sp>
       <p:sp>
         <p:nvSpPr>
-          <p:cNvPr id="38" name="TextBox 37"/>
+          <p:cNvPr id="134" name="TextBox 133"/>
           <p:cNvSpPr txBox="1"/>
           <p:nvPr/>
         </p:nvSpPr>
         <p:spPr>
           <a:xfrm>
-            <a:off x="5702185" y="3175602"/>
-            <a:ext cx="983412" cy="461665"/>
+            <a:off x="5761270" y="2864767"/>
+            <a:ext cx="865241" cy="338554"/>
           </a:xfrm>
           <a:prstGeom prst="rect">
             <a:avLst/>
@@ -4273,23 +4158,12 @@
           <a:p>
             <a:pPr algn="ctr"/>
             <a:r>
+              <a:rPr lang="pt-BR" sz="800" dirty="0" smtClean="0"/>
+              <a:t>0.79 </a:t>
+            </a:r>
+            <a:r>
               <a:rPr lang="pt-BR" sz="800" dirty="0"/>
-              <a:t>C: 0.79 [0.54, 1.05</a:t>
-            </a:r>
-            <a:r>
-              <a:rPr lang="pt-BR" sz="800" dirty="0" smtClean="0"/>
-              <a:t>]</a:t>
-            </a:r>
-          </a:p>
-          <a:p>
-            <a:pPr algn="ctr"/>
-            <a:r>
-              <a:rPr lang="pt-BR" sz="800" dirty="0"/>
-              <a:t>H: 0.79 [0.54, 1.06]</a:t>
-            </a:r>
-            <a:r>
-              <a:rPr lang="pt-BR" sz="800" dirty="0"/>
-              <a:t>  </a:t>
+              <a:t>[0.54, 1.06]  </a:t>
             </a:r>
             <a:endParaRPr lang="en-US" sz="800" b="1" dirty="0" smtClean="0"/>
           </a:p>
@@ -4297,14 +4171,14 @@
       </p:sp>
       <p:sp>
         <p:nvSpPr>
-          <p:cNvPr id="39" name="TextBox 38"/>
+          <p:cNvPr id="135" name="TextBox 134"/>
           <p:cNvSpPr txBox="1"/>
           <p:nvPr/>
         </p:nvSpPr>
         <p:spPr>
           <a:xfrm>
-            <a:off x="32271" y="5234034"/>
-            <a:ext cx="983412" cy="461665"/>
+            <a:off x="91356" y="4789984"/>
+            <a:ext cx="865241" cy="338554"/>
           </a:xfrm>
           <a:prstGeom prst="rect">
             <a:avLst/>
@@ -4326,23 +4200,12 @@
           <a:p>
             <a:pPr algn="ctr"/>
             <a:r>
+              <a:rPr lang="pt-BR" sz="800" dirty="0" smtClean="0"/>
+              <a:t>1.05 </a:t>
+            </a:r>
+            <a:r>
               <a:rPr lang="pt-BR" sz="800" dirty="0"/>
-              <a:t>C: 1.05 [0.85, 1.26</a:t>
-            </a:r>
-            <a:r>
-              <a:rPr lang="pt-BR" sz="800" dirty="0" smtClean="0"/>
-              <a:t>]</a:t>
-            </a:r>
-          </a:p>
-          <a:p>
-            <a:pPr algn="ctr"/>
-            <a:r>
-              <a:rPr lang="pt-BR" sz="800" dirty="0"/>
-              <a:t>H: 1.05 [0.85, 1.26]</a:t>
-            </a:r>
-            <a:r>
-              <a:rPr lang="pt-BR" sz="800" dirty="0"/>
-              <a:t>  </a:t>
+              <a:t>[0.85, 1.26]  </a:t>
             </a:r>
             <a:endParaRPr lang="en-US" sz="800" b="1" dirty="0" smtClean="0"/>
           </a:p>
@@ -4350,14 +4213,14 @@
       </p:sp>
       <p:sp>
         <p:nvSpPr>
-          <p:cNvPr id="40" name="TextBox 39"/>
+          <p:cNvPr id="136" name="TextBox 135"/>
           <p:cNvSpPr txBox="1"/>
           <p:nvPr/>
         </p:nvSpPr>
         <p:spPr>
           <a:xfrm>
-            <a:off x="1190790" y="5234034"/>
-            <a:ext cx="983412" cy="461665"/>
+            <a:off x="1249875" y="4789984"/>
+            <a:ext cx="865241" cy="338554"/>
           </a:xfrm>
           <a:prstGeom prst="rect">
             <a:avLst/>
@@ -4379,23 +4242,12 @@
           <a:p>
             <a:pPr algn="ctr"/>
             <a:r>
-              <a:rPr lang="en-US" sz="800" dirty="0"/>
-              <a:t>C: 1.01 [0.76, 1.26</a:t>
-            </a:r>
-            <a:r>
-              <a:rPr lang="en-US" sz="800" dirty="0" smtClean="0"/>
-              <a:t>]</a:t>
-            </a:r>
-          </a:p>
-          <a:p>
-            <a:pPr algn="ctr"/>
+              <a:rPr lang="tr-TR" sz="800" dirty="0" smtClean="0"/>
+              <a:t>1.01 </a:t>
+            </a:r>
             <a:r>
               <a:rPr lang="tr-TR" sz="800" dirty="0"/>
-              <a:t>H: 1.01 [0.76, 1.27]</a:t>
-            </a:r>
-            <a:r>
-              <a:rPr lang="tr-TR" sz="800" dirty="0"/>
-              <a:t> </a:t>
+              <a:t>[0.76, 1.27] </a:t>
             </a:r>
             <a:r>
               <a:rPr lang="en-US" sz="800" dirty="0" smtClean="0"/>
@@ -4407,14 +4259,14 @@
       </p:sp>
       <p:sp>
         <p:nvSpPr>
-          <p:cNvPr id="41" name="TextBox 40"/>
+          <p:cNvPr id="137" name="TextBox 136"/>
           <p:cNvSpPr txBox="1"/>
           <p:nvPr/>
         </p:nvSpPr>
         <p:spPr>
           <a:xfrm>
-            <a:off x="2286028" y="5234034"/>
-            <a:ext cx="983412" cy="461665"/>
+            <a:off x="2345113" y="4789984"/>
+            <a:ext cx="865241" cy="338554"/>
           </a:xfrm>
           <a:prstGeom prst="rect">
             <a:avLst/>
@@ -4436,19 +4288,12 @@
           <a:p>
             <a:pPr algn="ctr"/>
             <a:r>
+              <a:rPr lang="pt-BR" sz="800" dirty="0" smtClean="0"/>
+              <a:t>1.45 </a:t>
+            </a:r>
+            <a:r>
               <a:rPr lang="pt-BR" sz="800" dirty="0"/>
-              <a:t>C: 2.72 [1.74, 3.89</a:t>
-            </a:r>
-            <a:r>
-              <a:rPr lang="pt-BR" sz="800" dirty="0" smtClean="0"/>
-              <a:t>]</a:t>
-            </a:r>
-          </a:p>
-          <a:p>
-            <a:pPr algn="ctr"/>
-            <a:r>
-              <a:rPr lang="pt-BR" sz="800" dirty="0"/>
-              <a:t>H: 1.45 [1.19, 1.73</a:t>
+              <a:t>[1.19, 1.73</a:t>
             </a:r>
             <a:r>
               <a:rPr lang="pt-BR" sz="800" dirty="0" smtClean="0"/>
@@ -4460,14 +4305,14 @@
       </p:sp>
       <p:sp>
         <p:nvSpPr>
-          <p:cNvPr id="42" name="TextBox 41"/>
+          <p:cNvPr id="138" name="TextBox 137"/>
           <p:cNvSpPr txBox="1"/>
           <p:nvPr/>
         </p:nvSpPr>
         <p:spPr>
           <a:xfrm>
-            <a:off x="3478271" y="5234034"/>
-            <a:ext cx="983412" cy="461665"/>
+            <a:off x="3537356" y="4789984"/>
+            <a:ext cx="865241" cy="338554"/>
           </a:xfrm>
           <a:prstGeom prst="rect">
             <a:avLst/>
@@ -4489,23 +4334,12 @@
           <a:p>
             <a:pPr algn="ctr"/>
             <a:r>
+              <a:rPr lang="pt-BR" sz="800" dirty="0" smtClean="0"/>
+              <a:t>1.04 </a:t>
+            </a:r>
+            <a:r>
               <a:rPr lang="pt-BR" sz="800" dirty="0"/>
-              <a:t>C: 1.02 [0.84, </a:t>
-            </a:r>
-            <a:r>
-              <a:rPr lang="pt-BR" sz="800" dirty="0" smtClean="0"/>
-              <a:t>1.20]</a:t>
-            </a:r>
-          </a:p>
-          <a:p>
-            <a:pPr algn="ctr"/>
-            <a:r>
-              <a:rPr lang="pt-BR" sz="800" dirty="0"/>
-              <a:t>H: 1.04 [0.86, 1.22]</a:t>
-            </a:r>
-            <a:r>
-              <a:rPr lang="pt-BR" sz="800" dirty="0"/>
-              <a:t>  </a:t>
+              <a:t>[0.86, 1.22]  </a:t>
             </a:r>
             <a:endParaRPr lang="en-US" sz="800" dirty="0" smtClean="0"/>
           </a:p>
@@ -4513,14 +4347,14 @@
       </p:sp>
       <p:sp>
         <p:nvSpPr>
-          <p:cNvPr id="43" name="TextBox 42"/>
+          <p:cNvPr id="139" name="TextBox 138"/>
           <p:cNvSpPr txBox="1"/>
           <p:nvPr/>
         </p:nvSpPr>
         <p:spPr>
           <a:xfrm>
-            <a:off x="4670426" y="5234034"/>
-            <a:ext cx="983412" cy="461665"/>
+            <a:off x="4729511" y="4789984"/>
+            <a:ext cx="865241" cy="338554"/>
           </a:xfrm>
           <a:prstGeom prst="rect">
             <a:avLst/>
@@ -4542,23 +4376,12 @@
           <a:p>
             <a:pPr algn="ctr"/>
             <a:r>
+              <a:rPr lang="pt-BR" sz="800" dirty="0" smtClean="0"/>
+              <a:t>1.07 </a:t>
+            </a:r>
+            <a:r>
               <a:rPr lang="pt-BR" sz="800" dirty="0"/>
-              <a:t>C: 1.04 [0.85, 1.25</a:t>
-            </a:r>
-            <a:r>
-              <a:rPr lang="pt-BR" sz="800" dirty="0" smtClean="0"/>
-              <a:t>]</a:t>
-            </a:r>
-          </a:p>
-          <a:p>
-            <a:pPr algn="ctr"/>
-            <a:r>
-              <a:rPr lang="pt-BR" sz="800" dirty="0"/>
-              <a:t>H: 1.07 [0.88, 1.28]</a:t>
-            </a:r>
-            <a:r>
-              <a:rPr lang="pt-BR" sz="800" dirty="0"/>
-              <a:t>  </a:t>
+              <a:t>[0.88, 1.28]  </a:t>
             </a:r>
             <a:endParaRPr lang="pt-BR" sz="800" dirty="0" smtClean="0"/>
           </a:p>
@@ -4566,14 +4389,14 @@
       </p:sp>
       <p:sp>
         <p:nvSpPr>
-          <p:cNvPr id="44" name="TextBox 43"/>
+          <p:cNvPr id="140" name="TextBox 139"/>
           <p:cNvSpPr txBox="1"/>
           <p:nvPr/>
         </p:nvSpPr>
         <p:spPr>
           <a:xfrm>
-            <a:off x="5772384" y="5234034"/>
-            <a:ext cx="983412" cy="461665"/>
+            <a:off x="5831469" y="4789984"/>
+            <a:ext cx="865241" cy="338554"/>
           </a:xfrm>
           <a:prstGeom prst="rect">
             <a:avLst/>
@@ -4595,23 +4418,12 @@
           <a:p>
             <a:pPr algn="ctr"/>
             <a:r>
+              <a:rPr lang="pt-BR" sz="800" dirty="0" smtClean="0"/>
+              <a:t>1.19 </a:t>
+            </a:r>
+            <a:r>
               <a:rPr lang="pt-BR" sz="800" dirty="0"/>
-              <a:t>C: 1.19 [0.91, 1.47</a:t>
-            </a:r>
-            <a:r>
-              <a:rPr lang="pt-BR" sz="800" dirty="0" smtClean="0"/>
-              <a:t>]</a:t>
-            </a:r>
-          </a:p>
-          <a:p>
-            <a:pPr algn="ctr"/>
-            <a:r>
-              <a:rPr lang="pt-BR" sz="800" dirty="0"/>
-              <a:t>H: 1.19 [0.92, 1.48]</a:t>
-            </a:r>
-            <a:r>
-              <a:rPr lang="pt-BR" sz="800" dirty="0"/>
-              <a:t>  </a:t>
+              <a:t>[0.92, 1.48]  </a:t>
             </a:r>
             <a:endParaRPr lang="en-US" sz="800" dirty="0" smtClean="0"/>
           </a:p>
@@ -4619,14 +4431,14 @@
       </p:sp>
       <p:sp>
         <p:nvSpPr>
-          <p:cNvPr id="45" name="TextBox 44"/>
+          <p:cNvPr id="141" name="TextBox 140"/>
           <p:cNvSpPr txBox="1"/>
           <p:nvPr/>
         </p:nvSpPr>
         <p:spPr>
           <a:xfrm>
-            <a:off x="899751" y="6786557"/>
-            <a:ext cx="983412" cy="707886"/>
+            <a:off x="958836" y="6253697"/>
+            <a:ext cx="865241" cy="584776"/>
           </a:xfrm>
           <a:prstGeom prst="rect">
             <a:avLst/>
@@ -4648,23 +4460,12 @@
           <a:p>
             <a:pPr algn="ctr"/>
             <a:r>
+              <a:rPr lang="pt-BR" sz="800" dirty="0" smtClean="0"/>
+              <a:t>1.06 </a:t>
+            </a:r>
+            <a:r>
               <a:rPr lang="pt-BR" sz="800" dirty="0"/>
-              <a:t>C: 0.62 [0.48, 0.76</a:t>
-            </a:r>
-            <a:r>
-              <a:rPr lang="pt-BR" sz="800" dirty="0" smtClean="0"/>
-              <a:t>]</a:t>
-            </a:r>
-          </a:p>
-          <a:p>
-            <a:pPr algn="ctr"/>
-            <a:r>
-              <a:rPr lang="pt-BR" sz="800" dirty="0"/>
-              <a:t>H: 1.06 [0.84, 1.33]</a:t>
-            </a:r>
-            <a:r>
-              <a:rPr lang="pt-BR" sz="800" dirty="0"/>
-              <a:t>  </a:t>
+              <a:t>[0.84, 1.33]  </a:t>
             </a:r>
             <a:endParaRPr lang="en-US" sz="800" dirty="0" smtClean="0"/>
           </a:p>
@@ -4680,14 +4481,14 @@
       </p:sp>
       <p:sp>
         <p:nvSpPr>
-          <p:cNvPr id="46" name="TextBox 45"/>
+          <p:cNvPr id="142" name="TextBox 141"/>
           <p:cNvSpPr txBox="1"/>
           <p:nvPr/>
         </p:nvSpPr>
         <p:spPr>
           <a:xfrm>
-            <a:off x="2882586" y="6786557"/>
-            <a:ext cx="983412" cy="461665"/>
+            <a:off x="2941671" y="6253697"/>
+            <a:ext cx="865241" cy="338554"/>
           </a:xfrm>
           <a:prstGeom prst="rect">
             <a:avLst/>
@@ -4709,23 +4510,12 @@
           <a:p>
             <a:pPr algn="ctr"/>
             <a:r>
+              <a:rPr lang="pt-BR" sz="800" dirty="0" smtClean="0"/>
+              <a:t>2.23 </a:t>
+            </a:r>
+            <a:r>
               <a:rPr lang="pt-BR" sz="800" dirty="0"/>
-              <a:t>C: 2.23 [1.63, </a:t>
-            </a:r>
-            <a:r>
-              <a:rPr lang="pt-BR" sz="800" dirty="0" smtClean="0"/>
-              <a:t>2.90]</a:t>
-            </a:r>
-          </a:p>
-          <a:p>
-            <a:pPr algn="ctr"/>
-            <a:r>
-              <a:rPr lang="pt-BR" sz="800" dirty="0"/>
-              <a:t>H: 2.23 [1.64, 2.89]</a:t>
-            </a:r>
-            <a:r>
-              <a:rPr lang="pt-BR" sz="800" dirty="0"/>
-              <a:t>  </a:t>
+              <a:t>[1.64, 2.89]  </a:t>
             </a:r>
             <a:endParaRPr lang="en-US" sz="800" dirty="0" smtClean="0"/>
           </a:p>
@@ -4733,14 +4523,14 @@
       </p:sp>
       <p:sp>
         <p:nvSpPr>
-          <p:cNvPr id="47" name="TextBox 46"/>
+          <p:cNvPr id="143" name="TextBox 142"/>
           <p:cNvSpPr txBox="1"/>
           <p:nvPr/>
         </p:nvSpPr>
         <p:spPr>
           <a:xfrm>
-            <a:off x="4852317" y="6786557"/>
-            <a:ext cx="983412" cy="461665"/>
+            <a:off x="4911402" y="6253697"/>
+            <a:ext cx="865241" cy="338554"/>
           </a:xfrm>
           <a:prstGeom prst="rect">
             <a:avLst/>
@@ -4762,23 +4552,12 @@
           <a:p>
             <a:pPr algn="ctr"/>
             <a:r>
+              <a:rPr lang="pt-BR" sz="800" dirty="0" smtClean="0"/>
+              <a:t>1.69 </a:t>
+            </a:r>
+            <a:r>
               <a:rPr lang="pt-BR" sz="800" dirty="0"/>
-              <a:t>C: 1.69 [1.44, 1.94</a:t>
-            </a:r>
-            <a:r>
-              <a:rPr lang="pt-BR" sz="800" dirty="0" smtClean="0"/>
-              <a:t>]</a:t>
-            </a:r>
-          </a:p>
-          <a:p>
-            <a:pPr algn="ctr"/>
-            <a:r>
-              <a:rPr lang="pt-BR" sz="800" dirty="0"/>
-              <a:t>H: 1.69 [1.44, 1.93]</a:t>
-            </a:r>
-            <a:r>
-              <a:rPr lang="pt-BR" sz="800" dirty="0"/>
-              <a:t>  </a:t>
+              <a:t>[1.44, 1.93]  </a:t>
             </a:r>
             <a:endParaRPr lang="en-US" sz="800" dirty="0" smtClean="0"/>
           </a:p>
@@ -4786,14 +4565,14 @@
       </p:sp>
       <p:sp>
         <p:nvSpPr>
-          <p:cNvPr id="48" name="TextBox 47"/>
+          <p:cNvPr id="144" name="TextBox 143"/>
           <p:cNvSpPr txBox="1"/>
           <p:nvPr/>
         </p:nvSpPr>
         <p:spPr>
           <a:xfrm>
-            <a:off x="472505" y="8673676"/>
-            <a:ext cx="970588" cy="461665"/>
+            <a:off x="525178" y="7954315"/>
+            <a:ext cx="865241" cy="338554"/>
           </a:xfrm>
           <a:prstGeom prst="rect">
             <a:avLst/>
@@ -4815,39 +4594,12 @@
           <a:p>
             <a:pPr algn="ctr"/>
             <a:r>
-              <a:rPr lang="pt-BR" sz="800" dirty="0"/>
-              <a:t>C: </a:t>
-            </a:r>
-            <a:r>
               <a:rPr lang="pt-BR" sz="800" dirty="0" smtClean="0"/>
               <a:t>2.00 </a:t>
             </a:r>
             <a:r>
               <a:rPr lang="pt-BR" sz="800" dirty="0"/>
-              <a:t>[1.46, 2.57</a:t>
-            </a:r>
-            <a:r>
-              <a:rPr lang="pt-BR" sz="800" dirty="0" smtClean="0"/>
-              <a:t>]</a:t>
-            </a:r>
-          </a:p>
-          <a:p>
-            <a:pPr algn="ctr"/>
-            <a:r>
-              <a:rPr lang="pt-BR" sz="800" dirty="0"/>
-              <a:t>H: </a:t>
-            </a:r>
-            <a:r>
-              <a:rPr lang="pt-BR" sz="800" dirty="0" smtClean="0"/>
-              <a:t>2.00 </a:t>
-            </a:r>
-            <a:r>
-              <a:rPr lang="pt-BR" sz="800" dirty="0"/>
-              <a:t>[1.46, 2.56]</a:t>
-            </a:r>
-            <a:r>
-              <a:rPr lang="pt-BR" sz="800" dirty="0"/>
-              <a:t>  </a:t>
+              <a:t>[1.46, 2.56]  </a:t>
             </a:r>
             <a:endParaRPr lang="en-US" sz="800" dirty="0" smtClean="0"/>
           </a:p>
@@ -4855,14 +4607,14 @@
       </p:sp>
       <p:sp>
         <p:nvSpPr>
-          <p:cNvPr id="49" name="TextBox 48"/>
+          <p:cNvPr id="145" name="TextBox 144"/>
           <p:cNvSpPr txBox="1"/>
           <p:nvPr/>
         </p:nvSpPr>
         <p:spPr>
           <a:xfrm>
-            <a:off x="1822185" y="8673676"/>
-            <a:ext cx="983412" cy="461665"/>
+            <a:off x="1881270" y="7954315"/>
+            <a:ext cx="865241" cy="338554"/>
           </a:xfrm>
           <a:prstGeom prst="rect">
             <a:avLst/>
@@ -4884,23 +4636,8 @@
           <a:p>
             <a:pPr algn="ctr"/>
             <a:r>
-              <a:rPr lang="pt-BR" sz="800" dirty="0"/>
-              <a:t>C: 1.61 [1.18, </a:t>
-            </a:r>
-            <a:r>
               <a:rPr lang="pt-BR" sz="800" dirty="0" smtClean="0"/>
-              <a:t>2.10]</a:t>
-            </a:r>
-          </a:p>
-          <a:p>
-            <a:pPr algn="ctr"/>
-            <a:r>
-              <a:rPr lang="pt-BR" sz="800" dirty="0"/>
-              <a:t>H: 1.73 [1.29, 2.21]</a:t>
-            </a:r>
-            <a:r>
-              <a:rPr lang="pt-BR" sz="800" dirty="0"/>
-              <a:t>  </a:t>
+              <a:t>1.73 [1.29, 2.21]  </a:t>
             </a:r>
             <a:endParaRPr lang="en-US" sz="800" dirty="0" smtClean="0"/>
           </a:p>
@@ -4908,14 +4645,14 @@
       </p:sp>
       <p:sp>
         <p:nvSpPr>
-          <p:cNvPr id="50" name="TextBox 49"/>
+          <p:cNvPr id="146" name="TextBox 145"/>
           <p:cNvSpPr txBox="1"/>
           <p:nvPr/>
         </p:nvSpPr>
         <p:spPr>
           <a:xfrm>
-            <a:off x="3420305" y="8673676"/>
-            <a:ext cx="970588" cy="584776"/>
+            <a:off x="3472978" y="7954315"/>
+            <a:ext cx="865241" cy="461665"/>
           </a:xfrm>
           <a:prstGeom prst="rect">
             <a:avLst/>
@@ -4937,8 +4674,12 @@
           <a:p>
             <a:pPr algn="ctr"/>
             <a:r>
+              <a:rPr lang="pt-BR" sz="800" dirty="0" smtClean="0"/>
+              <a:t>1.12 </a:t>
+            </a:r>
+            <a:r>
               <a:rPr lang="pt-BR" sz="800" dirty="0"/>
-              <a:t>C: 1.12 [</a:t>
+              <a:t>[</a:t>
             </a:r>
             <a:r>
               <a:rPr lang="pt-BR" sz="800" dirty="0" smtClean="0"/>
@@ -4946,30 +4687,7 @@
             </a:r>
             <a:r>
               <a:rPr lang="pt-BR" sz="800" dirty="0"/>
-              <a:t>1.47</a:t>
-            </a:r>
-            <a:r>
-              <a:rPr lang="pt-BR" sz="800" dirty="0" smtClean="0"/>
-              <a:t>]</a:t>
-            </a:r>
-          </a:p>
-          <a:p>
-            <a:pPr algn="ctr"/>
-            <a:r>
-              <a:rPr lang="pt-BR" sz="800" dirty="0"/>
-              <a:t>H: 1.12 [</a:t>
-            </a:r>
-            <a:r>
-              <a:rPr lang="pt-BR" sz="800" dirty="0" smtClean="0"/>
-              <a:t>0.80, </a:t>
-            </a:r>
-            <a:r>
-              <a:rPr lang="pt-BR" sz="800" dirty="0"/>
-              <a:t>1.46]</a:t>
-            </a:r>
-            <a:r>
-              <a:rPr lang="pt-BR" sz="800" dirty="0"/>
-              <a:t>  </a:t>
+              <a:t>1.46]  </a:t>
             </a:r>
             <a:endParaRPr lang="en-US" sz="800" dirty="0" smtClean="0"/>
           </a:p>
@@ -4981,14 +4699,14 @@
       </p:sp>
       <p:sp>
         <p:nvSpPr>
-          <p:cNvPr id="51" name="TextBox 50"/>
+          <p:cNvPr id="147" name="TextBox 146"/>
           <p:cNvSpPr txBox="1"/>
           <p:nvPr/>
         </p:nvSpPr>
         <p:spPr>
           <a:xfrm>
-            <a:off x="5286587" y="8673676"/>
-            <a:ext cx="983412" cy="584776"/>
+            <a:off x="5345672" y="7954315"/>
+            <a:ext cx="865241" cy="461665"/>
           </a:xfrm>
           <a:prstGeom prst="rect">
             <a:avLst/>
@@ -5010,29 +4728,17 @@
           <a:p>
             <a:pPr algn="ctr"/>
             <a:r>
-              <a:rPr lang="en-US" sz="800" dirty="0"/>
-              <a:t>C: 1.01 [0.76, 1.26</a:t>
-            </a:r>
-            <a:r>
-              <a:rPr lang="en-US" sz="800" dirty="0" smtClean="0"/>
-              <a:t>]</a:t>
-            </a:r>
-          </a:p>
-          <a:p>
-            <a:pPr algn="ctr"/>
+              <a:rPr lang="pt-BR" sz="800" dirty="0" smtClean="0"/>
+              <a:t>1.01 </a:t>
+            </a:r>
             <a:r>
               <a:rPr lang="pt-BR" sz="800" dirty="0"/>
-              <a:t>H: 1.01 [0.77, 1.26]</a:t>
-            </a:r>
-            <a:r>
-              <a:rPr lang="pt-BR" sz="800" dirty="0"/>
-              <a:t> </a:t>
+              <a:t>[0.77, 1.26] </a:t>
             </a:r>
             <a:r>
               <a:rPr lang="en-US" sz="800" dirty="0" smtClean="0"/>
               <a:t> </a:t>
             </a:r>
-            <a:endParaRPr lang="en-US" sz="800" dirty="0" smtClean="0"/>
           </a:p>
           <a:p>
             <a:pPr algn="ctr"/>
